--- a/Diabetes prediction with machine learning and explainable ai poster.pptx
+++ b/Diabetes prediction with machine learning and explainable ai poster.pptx
@@ -208,7 +208,7 @@
           <a:p>
             <a:fld id="{8166CC95-0DBE-4CD7-89B3-7ACCE4BCDAF1}" type="datetimeFigureOut">
               <a:rPr lang="en-GB" smtClean="0"/>
-              <a:t>06/02/2025</a:t>
+              <a:t>15/02/2025</a:t>
             </a:fld>
             <a:endParaRPr lang="en-GB"/>
           </a:p>
@@ -696,7 +696,7 @@
           <a:p>
             <a:fld id="{49E4927F-ADE1-49CD-A2B9-CD8CCD18392F}" type="datetimeFigureOut">
               <a:rPr lang="en-GB" smtClean="0"/>
-              <a:t>06/02/2025</a:t>
+              <a:t>15/02/2025</a:t>
             </a:fld>
             <a:endParaRPr lang="en-GB"/>
           </a:p>
@@ -866,7 +866,7 @@
           <a:p>
             <a:fld id="{49E4927F-ADE1-49CD-A2B9-CD8CCD18392F}" type="datetimeFigureOut">
               <a:rPr lang="en-GB" smtClean="0"/>
-              <a:t>06/02/2025</a:t>
+              <a:t>15/02/2025</a:t>
             </a:fld>
             <a:endParaRPr lang="en-GB"/>
           </a:p>
@@ -1046,7 +1046,7 @@
           <a:p>
             <a:fld id="{49E4927F-ADE1-49CD-A2B9-CD8CCD18392F}" type="datetimeFigureOut">
               <a:rPr lang="en-GB" smtClean="0"/>
-              <a:t>06/02/2025</a:t>
+              <a:t>15/02/2025</a:t>
             </a:fld>
             <a:endParaRPr lang="en-GB"/>
           </a:p>
@@ -1216,7 +1216,7 @@
           <a:p>
             <a:fld id="{49E4927F-ADE1-49CD-A2B9-CD8CCD18392F}" type="datetimeFigureOut">
               <a:rPr lang="en-GB" smtClean="0"/>
-              <a:t>06/02/2025</a:t>
+              <a:t>15/02/2025</a:t>
             </a:fld>
             <a:endParaRPr lang="en-GB"/>
           </a:p>
@@ -1462,7 +1462,7 @@
           <a:p>
             <a:fld id="{49E4927F-ADE1-49CD-A2B9-CD8CCD18392F}" type="datetimeFigureOut">
               <a:rPr lang="en-GB" smtClean="0"/>
-              <a:t>06/02/2025</a:t>
+              <a:t>15/02/2025</a:t>
             </a:fld>
             <a:endParaRPr lang="en-GB"/>
           </a:p>
@@ -1694,7 +1694,7 @@
           <a:p>
             <a:fld id="{49E4927F-ADE1-49CD-A2B9-CD8CCD18392F}" type="datetimeFigureOut">
               <a:rPr lang="en-GB" smtClean="0"/>
-              <a:t>06/02/2025</a:t>
+              <a:t>15/02/2025</a:t>
             </a:fld>
             <a:endParaRPr lang="en-GB"/>
           </a:p>
@@ -2061,7 +2061,7 @@
           <a:p>
             <a:fld id="{49E4927F-ADE1-49CD-A2B9-CD8CCD18392F}" type="datetimeFigureOut">
               <a:rPr lang="en-GB" smtClean="0"/>
-              <a:t>06/02/2025</a:t>
+              <a:t>15/02/2025</a:t>
             </a:fld>
             <a:endParaRPr lang="en-GB"/>
           </a:p>
@@ -2179,7 +2179,7 @@
           <a:p>
             <a:fld id="{49E4927F-ADE1-49CD-A2B9-CD8CCD18392F}" type="datetimeFigureOut">
               <a:rPr lang="en-GB" smtClean="0"/>
-              <a:t>06/02/2025</a:t>
+              <a:t>15/02/2025</a:t>
             </a:fld>
             <a:endParaRPr lang="en-GB"/>
           </a:p>
@@ -2274,7 +2274,7 @@
           <a:p>
             <a:fld id="{49E4927F-ADE1-49CD-A2B9-CD8CCD18392F}" type="datetimeFigureOut">
               <a:rPr lang="en-GB" smtClean="0"/>
-              <a:t>06/02/2025</a:t>
+              <a:t>15/02/2025</a:t>
             </a:fld>
             <a:endParaRPr lang="en-GB"/>
           </a:p>
@@ -2551,7 +2551,7 @@
           <a:p>
             <a:fld id="{49E4927F-ADE1-49CD-A2B9-CD8CCD18392F}" type="datetimeFigureOut">
               <a:rPr lang="en-GB" smtClean="0"/>
-              <a:t>06/02/2025</a:t>
+              <a:t>15/02/2025</a:t>
             </a:fld>
             <a:endParaRPr lang="en-GB"/>
           </a:p>
@@ -2808,7 +2808,7 @@
           <a:p>
             <a:fld id="{49E4927F-ADE1-49CD-A2B9-CD8CCD18392F}" type="datetimeFigureOut">
               <a:rPr lang="en-GB" smtClean="0"/>
-              <a:t>06/02/2025</a:t>
+              <a:t>15/02/2025</a:t>
             </a:fld>
             <a:endParaRPr lang="en-GB"/>
           </a:p>
@@ -3021,7 +3021,7 @@
           <a:p>
             <a:fld id="{49E4927F-ADE1-49CD-A2B9-CD8CCD18392F}" type="datetimeFigureOut">
               <a:rPr lang="en-GB" smtClean="0"/>
-              <a:t>06/02/2025</a:t>
+              <a:t>15/02/2025</a:t>
             </a:fld>
             <a:endParaRPr lang="en-GB"/>
           </a:p>

--- a/Diabetes prediction with machine learning and explainable ai poster.pptx
+++ b/Diabetes prediction with machine learning and explainable ai poster.pptx
@@ -208,7 +208,7 @@
           <a:p>
             <a:fld id="{8166CC95-0DBE-4CD7-89B3-7ACCE4BCDAF1}" type="datetimeFigureOut">
               <a:rPr lang="en-GB" smtClean="0"/>
-              <a:t>15/02/2025</a:t>
+              <a:t>17/02/2025</a:t>
             </a:fld>
             <a:endParaRPr lang="en-GB"/>
           </a:p>
@@ -696,7 +696,7 @@
           <a:p>
             <a:fld id="{49E4927F-ADE1-49CD-A2B9-CD8CCD18392F}" type="datetimeFigureOut">
               <a:rPr lang="en-GB" smtClean="0"/>
-              <a:t>15/02/2025</a:t>
+              <a:t>17/02/2025</a:t>
             </a:fld>
             <a:endParaRPr lang="en-GB"/>
           </a:p>
@@ -866,7 +866,7 @@
           <a:p>
             <a:fld id="{49E4927F-ADE1-49CD-A2B9-CD8CCD18392F}" type="datetimeFigureOut">
               <a:rPr lang="en-GB" smtClean="0"/>
-              <a:t>15/02/2025</a:t>
+              <a:t>17/02/2025</a:t>
             </a:fld>
             <a:endParaRPr lang="en-GB"/>
           </a:p>
@@ -1046,7 +1046,7 @@
           <a:p>
             <a:fld id="{49E4927F-ADE1-49CD-A2B9-CD8CCD18392F}" type="datetimeFigureOut">
               <a:rPr lang="en-GB" smtClean="0"/>
-              <a:t>15/02/2025</a:t>
+              <a:t>17/02/2025</a:t>
             </a:fld>
             <a:endParaRPr lang="en-GB"/>
           </a:p>
@@ -1216,7 +1216,7 @@
           <a:p>
             <a:fld id="{49E4927F-ADE1-49CD-A2B9-CD8CCD18392F}" type="datetimeFigureOut">
               <a:rPr lang="en-GB" smtClean="0"/>
-              <a:t>15/02/2025</a:t>
+              <a:t>17/02/2025</a:t>
             </a:fld>
             <a:endParaRPr lang="en-GB"/>
           </a:p>
@@ -1462,7 +1462,7 @@
           <a:p>
             <a:fld id="{49E4927F-ADE1-49CD-A2B9-CD8CCD18392F}" type="datetimeFigureOut">
               <a:rPr lang="en-GB" smtClean="0"/>
-              <a:t>15/02/2025</a:t>
+              <a:t>17/02/2025</a:t>
             </a:fld>
             <a:endParaRPr lang="en-GB"/>
           </a:p>
@@ -1694,7 +1694,7 @@
           <a:p>
             <a:fld id="{49E4927F-ADE1-49CD-A2B9-CD8CCD18392F}" type="datetimeFigureOut">
               <a:rPr lang="en-GB" smtClean="0"/>
-              <a:t>15/02/2025</a:t>
+              <a:t>17/02/2025</a:t>
             </a:fld>
             <a:endParaRPr lang="en-GB"/>
           </a:p>
@@ -2061,7 +2061,7 @@
           <a:p>
             <a:fld id="{49E4927F-ADE1-49CD-A2B9-CD8CCD18392F}" type="datetimeFigureOut">
               <a:rPr lang="en-GB" smtClean="0"/>
-              <a:t>15/02/2025</a:t>
+              <a:t>17/02/2025</a:t>
             </a:fld>
             <a:endParaRPr lang="en-GB"/>
           </a:p>
@@ -2179,7 +2179,7 @@
           <a:p>
             <a:fld id="{49E4927F-ADE1-49CD-A2B9-CD8CCD18392F}" type="datetimeFigureOut">
               <a:rPr lang="en-GB" smtClean="0"/>
-              <a:t>15/02/2025</a:t>
+              <a:t>17/02/2025</a:t>
             </a:fld>
             <a:endParaRPr lang="en-GB"/>
           </a:p>
@@ -2274,7 +2274,7 @@
           <a:p>
             <a:fld id="{49E4927F-ADE1-49CD-A2B9-CD8CCD18392F}" type="datetimeFigureOut">
               <a:rPr lang="en-GB" smtClean="0"/>
-              <a:t>15/02/2025</a:t>
+              <a:t>17/02/2025</a:t>
             </a:fld>
             <a:endParaRPr lang="en-GB"/>
           </a:p>
@@ -2551,7 +2551,7 @@
           <a:p>
             <a:fld id="{49E4927F-ADE1-49CD-A2B9-CD8CCD18392F}" type="datetimeFigureOut">
               <a:rPr lang="en-GB" smtClean="0"/>
-              <a:t>15/02/2025</a:t>
+              <a:t>17/02/2025</a:t>
             </a:fld>
             <a:endParaRPr lang="en-GB"/>
           </a:p>
@@ -2808,7 +2808,7 @@
           <a:p>
             <a:fld id="{49E4927F-ADE1-49CD-A2B9-CD8CCD18392F}" type="datetimeFigureOut">
               <a:rPr lang="en-GB" smtClean="0"/>
-              <a:t>15/02/2025</a:t>
+              <a:t>17/02/2025</a:t>
             </a:fld>
             <a:endParaRPr lang="en-GB"/>
           </a:p>
@@ -3021,7 +3021,7 @@
           <a:p>
             <a:fld id="{49E4927F-ADE1-49CD-A2B9-CD8CCD18392F}" type="datetimeFigureOut">
               <a:rPr lang="en-GB" smtClean="0"/>
-              <a:t>15/02/2025</a:t>
+              <a:t>17/02/2025</a:t>
             </a:fld>
             <a:endParaRPr lang="en-GB"/>
           </a:p>
@@ -3441,7 +3441,7 @@
         <p:spPr>
           <a:xfrm>
             <a:off x="412750" y="1502722"/>
-            <a:ext cx="8197850" cy="3733839"/>
+            <a:ext cx="8197850" cy="3856678"/>
           </a:xfrm>
           <a:prstGeom prst="rect">
             <a:avLst/>
@@ -3474,6 +3474,62 @@
               <a:t>Abstract</a:t>
             </a:r>
           </a:p>
+          <a:p>
+            <a:r>
+              <a:rPr lang="en-US" dirty="0">
+                <a:latin typeface="Times New Roman" panose="02020603050405020304" pitchFamily="18" charset="0"/>
+                <a:cs typeface="Times New Roman" panose="02020603050405020304" pitchFamily="18" charset="0"/>
+              </a:rPr>
+              <a:t>The World Health </a:t>
+            </a:r>
+            <a:r>
+              <a:rPr lang="en-US" dirty="0" err="1">
+                <a:latin typeface="Times New Roman" panose="02020603050405020304" pitchFamily="18" charset="0"/>
+                <a:cs typeface="Times New Roman" panose="02020603050405020304" pitchFamily="18" charset="0"/>
+              </a:rPr>
+              <a:t>Organisation</a:t>
+            </a:r>
+            <a:r>
+              <a:rPr lang="en-US" dirty="0">
+                <a:latin typeface="Times New Roman" panose="02020603050405020304" pitchFamily="18" charset="0"/>
+                <a:cs typeface="Times New Roman" panose="02020603050405020304" pitchFamily="18" charset="0"/>
+              </a:rPr>
+              <a:t> defines diabetes as a chronic disease where the pancreas produces insufficient insulin or the body cannot use it effectively, leading to serious health complications. [1] In 2023, the National Diabetes Audit reported 3,615,330 GP-registered cases of pre-diabetes (</a:t>
+            </a:r>
+            <a:r>
+              <a:rPr lang="en-US" dirty="0" err="1">
+                <a:latin typeface="Times New Roman" panose="02020603050405020304" pitchFamily="18" charset="0"/>
+                <a:cs typeface="Times New Roman" panose="02020603050405020304" pitchFamily="18" charset="0"/>
+              </a:rPr>
+              <a:t>hyperglycaemia</a:t>
+            </a:r>
+            <a:r>
+              <a:rPr lang="en-US" dirty="0">
+                <a:latin typeface="Times New Roman" panose="02020603050405020304" pitchFamily="18" charset="0"/>
+                <a:cs typeface="Times New Roman" panose="02020603050405020304" pitchFamily="18" charset="0"/>
+              </a:rPr>
+              <a:t>), an 18% increase from 2022. [2]</a:t>
+            </a:r>
+          </a:p>
+          <a:p>
+            <a:endParaRPr lang="en-US" dirty="0">
+              <a:latin typeface="Times New Roman" panose="02020603050405020304" pitchFamily="18" charset="0"/>
+              <a:cs typeface="Times New Roman" panose="02020603050405020304" pitchFamily="18" charset="0"/>
+            </a:endParaRPr>
+          </a:p>
+          <a:p>
+            <a:r>
+              <a:rPr lang="en-US" dirty="0">
+                <a:latin typeface="Times New Roman" panose="02020603050405020304" pitchFamily="18" charset="0"/>
+                <a:cs typeface="Times New Roman" panose="02020603050405020304" pitchFamily="18" charset="0"/>
+              </a:rPr>
+              <a:t>This research integrates Explainable AI (XAI) with machine learning (ML) to enhance diabetes prediction. It evaluates Random Forest, Logistic Regression, and Gradient Boosting Machine (GBM) models using LIME for interpretability. A real-time toggle feature improves accessibility, allowing users to interact with model explanations dynamically. Findings will identify the most effective ML-XAI approach for accurate, interpretable, and actionable predictions, enhancing trust in AI-driven healthcare.</a:t>
+            </a:r>
+            <a:endParaRPr lang="en-GB" b="1" u="sng" dirty="0">
+              <a:latin typeface="Times New Roman" panose="02020603050405020304" pitchFamily="18" charset="0"/>
+              <a:cs typeface="Times New Roman" panose="02020603050405020304" pitchFamily="18" charset="0"/>
+            </a:endParaRPr>
+          </a:p>
         </p:txBody>
       </p:sp>
       <p:sp>
@@ -3491,7 +3547,7 @@
         <p:spPr>
           <a:xfrm>
             <a:off x="412750" y="5610380"/>
-            <a:ext cx="6885551" cy="5806920"/>
+            <a:ext cx="6885551" cy="4402300"/>
           </a:xfrm>
           <a:prstGeom prst="rect">
             <a:avLst/>
@@ -3524,6 +3580,36 @@
               <a:t>Introduction</a:t>
             </a:r>
           </a:p>
+          <a:p>
+            <a:r>
+              <a:rPr lang="en-US" dirty="0">
+                <a:latin typeface="Times New Roman" panose="02020603050405020304" pitchFamily="18" charset="0"/>
+                <a:cs typeface="Times New Roman" panose="02020603050405020304" pitchFamily="18" charset="0"/>
+              </a:rPr>
+              <a:t>Diabetes is a widespread chronic condition where early detection plays a key role in effective management. While machine learning (ML) models offer promising predictive capabilities, their complexity can limit trust and adoption in healthcare. To address this, Explainable AI (XAI) techniques can enhance transparency, making AI-driven predictions more interpretable.</a:t>
+            </a:r>
+          </a:p>
+          <a:p>
+            <a:endParaRPr lang="en-US" dirty="0">
+              <a:latin typeface="Times New Roman" panose="02020603050405020304" pitchFamily="18" charset="0"/>
+              <a:cs typeface="Times New Roman" panose="02020603050405020304" pitchFamily="18" charset="0"/>
+            </a:endParaRPr>
+          </a:p>
+          <a:p>
+            <a:r>
+              <a:rPr lang="en-US" dirty="0">
+                <a:latin typeface="Times New Roman" panose="02020603050405020304" pitchFamily="18" charset="0"/>
+                <a:cs typeface="Times New Roman" panose="02020603050405020304" pitchFamily="18" charset="0"/>
+              </a:rPr>
+              <a:t>This study integrates Random Forest (RF), Logistic Regression (LG), and Gradient Boosting Machine (GBM) models with Local Interpretable Model-Agnostic Explanations (LIME) to provide insight into diabetes predictions. By incorporating these models into a web and mobile application, this research aims to improve accessibility, empower users with explainable results, and bridge the gap between AI-driven and traditional diagnostics.</a:t>
+            </a:r>
+          </a:p>
+          <a:p>
+            <a:endParaRPr lang="en-GB" dirty="0">
+              <a:latin typeface="Times New Roman" panose="02020603050405020304" pitchFamily="18" charset="0"/>
+              <a:cs typeface="Times New Roman" panose="02020603050405020304" pitchFamily="18" charset="0"/>
+            </a:endParaRPr>
+          </a:p>
         </p:txBody>
       </p:sp>
       <p:sp>
@@ -3541,7 +3627,7 @@
         <p:spPr>
           <a:xfrm>
             <a:off x="8924953" y="1502722"/>
-            <a:ext cx="5781647" cy="3733839"/>
+            <a:ext cx="5781647" cy="3856678"/>
           </a:xfrm>
           <a:prstGeom prst="rect">
             <a:avLst/>
@@ -3574,6 +3660,125 @@
               <a:t>Technologies</a:t>
             </a:r>
           </a:p>
+          <a:p>
+            <a:pPr marL="0" indent="0">
+              <a:buNone/>
+            </a:pPr>
+            <a:r>
+              <a:rPr lang="en-GB" b="1" u="sng" dirty="0">
+                <a:latin typeface="Times New Roman" panose="02020603050405020304" pitchFamily="18" charset="0"/>
+                <a:cs typeface="Times New Roman" panose="02020603050405020304" pitchFamily="18" charset="0"/>
+              </a:rPr>
+              <a:t>Frontend Framework</a:t>
+            </a:r>
+          </a:p>
+          <a:p>
+            <a:r>
+              <a:rPr lang="en-GB" dirty="0">
+                <a:latin typeface="Times New Roman" panose="02020603050405020304" pitchFamily="18" charset="0"/>
+                <a:cs typeface="Times New Roman" panose="02020603050405020304" pitchFamily="18" charset="0"/>
+              </a:rPr>
+              <a:t>React Native Expo (mobile and web development)</a:t>
+            </a:r>
+          </a:p>
+          <a:p>
+            <a:endParaRPr lang="en-GB" dirty="0">
+              <a:latin typeface="Times New Roman" panose="02020603050405020304" pitchFamily="18" charset="0"/>
+              <a:cs typeface="Times New Roman" panose="02020603050405020304" pitchFamily="18" charset="0"/>
+            </a:endParaRPr>
+          </a:p>
+          <a:p>
+            <a:pPr marL="0" indent="0">
+              <a:buNone/>
+            </a:pPr>
+            <a:r>
+              <a:rPr lang="en-GB" b="1" u="sng" dirty="0">
+                <a:latin typeface="Times New Roman" panose="02020603050405020304" pitchFamily="18" charset="0"/>
+                <a:cs typeface="Times New Roman" panose="02020603050405020304" pitchFamily="18" charset="0"/>
+              </a:rPr>
+              <a:t>Visualisation Libraries</a:t>
+            </a:r>
+          </a:p>
+          <a:p>
+            <a:r>
+              <a:rPr lang="en-GB" dirty="0">
+                <a:latin typeface="Times New Roman" panose="02020603050405020304" pitchFamily="18" charset="0"/>
+                <a:cs typeface="Times New Roman" panose="02020603050405020304" pitchFamily="18" charset="0"/>
+              </a:rPr>
+              <a:t>Chart.js and/or </a:t>
+            </a:r>
+            <a:r>
+              <a:rPr lang="en-GB" dirty="0" err="1">
+                <a:latin typeface="Times New Roman" panose="02020603050405020304" pitchFamily="18" charset="0"/>
+                <a:cs typeface="Times New Roman" panose="02020603050405020304" pitchFamily="18" charset="0"/>
+              </a:rPr>
+              <a:t>Plotly</a:t>
+            </a:r>
+            <a:r>
+              <a:rPr lang="en-GB" dirty="0">
+                <a:latin typeface="Times New Roman" panose="02020603050405020304" pitchFamily="18" charset="0"/>
+                <a:cs typeface="Times New Roman" panose="02020603050405020304" pitchFamily="18" charset="0"/>
+              </a:rPr>
+              <a:t> for displaying LIME and homepage visualisation</a:t>
+            </a:r>
+          </a:p>
+          <a:p>
+            <a:endParaRPr lang="en-GB" dirty="0">
+              <a:latin typeface="Times New Roman" panose="02020603050405020304" pitchFamily="18" charset="0"/>
+              <a:cs typeface="Times New Roman" panose="02020603050405020304" pitchFamily="18" charset="0"/>
+            </a:endParaRPr>
+          </a:p>
+          <a:p>
+            <a:pPr marL="0" indent="0">
+              <a:buNone/>
+            </a:pPr>
+            <a:r>
+              <a:rPr lang="en-GB" b="1" u="sng" dirty="0">
+                <a:latin typeface="Times New Roman" panose="02020603050405020304" pitchFamily="18" charset="0"/>
+                <a:cs typeface="Times New Roman" panose="02020603050405020304" pitchFamily="18" charset="0"/>
+              </a:rPr>
+              <a:t>Backend Integration</a:t>
+            </a:r>
+          </a:p>
+          <a:p>
+            <a:r>
+              <a:rPr lang="en-GB" dirty="0">
+                <a:latin typeface="Times New Roman" panose="02020603050405020304" pitchFamily="18" charset="0"/>
+                <a:cs typeface="Times New Roman" panose="02020603050405020304" pitchFamily="18" charset="0"/>
+              </a:rPr>
+              <a:t>Flask Python Application connecting frontend to ML and XAI components</a:t>
+            </a:r>
+          </a:p>
+          <a:p>
+            <a:endParaRPr lang="en-GB" dirty="0">
+              <a:latin typeface="Times New Roman" panose="02020603050405020304" pitchFamily="18" charset="0"/>
+              <a:cs typeface="Times New Roman" panose="02020603050405020304" pitchFamily="18" charset="0"/>
+            </a:endParaRPr>
+          </a:p>
+          <a:p>
+            <a:pPr marL="0" indent="0">
+              <a:buNone/>
+            </a:pPr>
+            <a:r>
+              <a:rPr lang="en-GB" b="1" u="sng" dirty="0">
+                <a:latin typeface="Times New Roman" panose="02020603050405020304" pitchFamily="18" charset="0"/>
+                <a:cs typeface="Times New Roman" panose="02020603050405020304" pitchFamily="18" charset="0"/>
+              </a:rPr>
+              <a:t>Deployment</a:t>
+            </a:r>
+          </a:p>
+          <a:p>
+            <a:endParaRPr lang="en-GB" sz="2000" dirty="0">
+              <a:latin typeface="Times New Roman" panose="02020603050405020304" pitchFamily="18" charset="0"/>
+              <a:cs typeface="Times New Roman" panose="02020603050405020304" pitchFamily="18" charset="0"/>
+            </a:endParaRPr>
+          </a:p>
+          <a:p>
+            <a:endParaRPr lang="en-GB" sz="2000" dirty="0">
+              <a:latin typeface="Times New Roman" panose="02020603050405020304" pitchFamily="18" charset="0"/>
+              <a:cs typeface="Times New Roman" panose="02020603050405020304" pitchFamily="18" charset="0"/>
+            </a:endParaRPr>
+          </a:p>
         </p:txBody>
       </p:sp>
       <p:sp>
@@ -3591,7 +3796,7 @@
         <p:spPr>
           <a:xfrm>
             <a:off x="7559674" y="5610380"/>
-            <a:ext cx="7146926" cy="5806920"/>
+            <a:ext cx="7146926" cy="4653280"/>
           </a:xfrm>
           <a:prstGeom prst="rect">
             <a:avLst/>
@@ -3624,6 +3829,49 @@
               <a:t>Methodology</a:t>
             </a:r>
           </a:p>
+          <a:p>
+            <a:r>
+              <a:rPr lang="en-US" dirty="0">
+                <a:latin typeface="Times New Roman" panose="02020603050405020304" pitchFamily="18" charset="0"/>
+                <a:cs typeface="Times New Roman" panose="02020603050405020304" pitchFamily="18" charset="0"/>
+              </a:rPr>
+              <a:t>This study utilizes machine learning (ML) models to predict diabetes while integrating Explainable AI (XAI) to enhance interpretability. Three ML models—Random Forest (RF), Logistic Regression (LG), and Gradient Boosting Machine (GBM)—were trained on the Pima Indian Diabetes Dataset to classify patients based on risk factors.</a:t>
+            </a:r>
+          </a:p>
+          <a:p>
+            <a:endParaRPr lang="en-US" dirty="0">
+              <a:latin typeface="Times New Roman" panose="02020603050405020304" pitchFamily="18" charset="0"/>
+              <a:cs typeface="Times New Roman" panose="02020603050405020304" pitchFamily="18" charset="0"/>
+            </a:endParaRPr>
+          </a:p>
+          <a:p>
+            <a:r>
+              <a:rPr lang="en-US" dirty="0">
+                <a:latin typeface="Times New Roman" panose="02020603050405020304" pitchFamily="18" charset="0"/>
+                <a:cs typeface="Times New Roman" panose="02020603050405020304" pitchFamily="18" charset="0"/>
+              </a:rPr>
+              <a:t>To improve transparency, Local Interpretable Model-Agnostic Explanations (LIME) was applied, allowing for instance-level explanations of model predictions. The models were evaluated using performance metrics such as accuracy, precision, recall, and F1-score.</a:t>
+            </a:r>
+          </a:p>
+          <a:p>
+            <a:endParaRPr lang="en-US" dirty="0">
+              <a:latin typeface="Times New Roman" panose="02020603050405020304" pitchFamily="18" charset="0"/>
+              <a:cs typeface="Times New Roman" panose="02020603050405020304" pitchFamily="18" charset="0"/>
+            </a:endParaRPr>
+          </a:p>
+          <a:p>
+            <a:r>
+              <a:rPr lang="en-US" dirty="0">
+                <a:latin typeface="Times New Roman" panose="02020603050405020304" pitchFamily="18" charset="0"/>
+                <a:cs typeface="Times New Roman" panose="02020603050405020304" pitchFamily="18" charset="0"/>
+              </a:rPr>
+              <a:t>The final model was integrated into a web and mobile application, ensuring accessibility for both healthcare professionals and general users. This approach bridges the gap between AI-driven diagnostics and user trust, making predictive insights more interpretable and actionable.</a:t>
+            </a:r>
+            <a:endParaRPr lang="en-GB" dirty="0">
+              <a:latin typeface="Times New Roman" panose="02020603050405020304" pitchFamily="18" charset="0"/>
+              <a:cs typeface="Times New Roman" panose="02020603050405020304" pitchFamily="18" charset="0"/>
+            </a:endParaRPr>
+          </a:p>
         </p:txBody>
       </p:sp>
       <p:sp>
@@ -3640,8 +3888,8 @@
         </p:nvSpPr>
         <p:spPr>
           <a:xfrm>
-            <a:off x="412750" y="11791119"/>
-            <a:ext cx="6885551" cy="8033429"/>
+            <a:off x="412749" y="10263660"/>
+            <a:ext cx="6885551" cy="8431844"/>
           </a:xfrm>
           <a:prstGeom prst="rect">
             <a:avLst/>
@@ -3690,8 +3938,8 @@
         </p:nvSpPr>
         <p:spPr>
           <a:xfrm>
-            <a:off x="7559674" y="18105444"/>
-            <a:ext cx="7146926" cy="1719103"/>
+            <a:off x="412749" y="18804835"/>
+            <a:ext cx="14293851" cy="1619262"/>
           </a:xfrm>
           <a:prstGeom prst="rect">
             <a:avLst/>
@@ -3724,6 +3972,51 @@
               <a:t>References</a:t>
             </a:r>
           </a:p>
+          <a:p>
+            <a:r>
+              <a:rPr lang="en-GB" sz="1600" dirty="0">
+                <a:latin typeface="Times New Roman" panose="02020603050405020304" pitchFamily="18" charset="0"/>
+                <a:cs typeface="Times New Roman" panose="02020603050405020304" pitchFamily="18" charset="0"/>
+              </a:rPr>
+              <a:t>[1] </a:t>
+            </a:r>
+            <a:r>
+              <a:rPr lang="en-GB" sz="1600" kern="100" dirty="0">
+                <a:effectLst/>
+                <a:latin typeface="Times New Roman" panose="02020603050405020304" pitchFamily="18" charset="0"/>
+                <a:cs typeface="Times New Roman" panose="02020603050405020304" pitchFamily="18" charset="0"/>
+              </a:rPr>
+              <a:t>W. H. Organisation, “Diabetes,” 14 November 2024. [Online]. Available: https://www.who.int/news-room/fact-sheets/detail/diabetes. [Accessed 9 December 2024].</a:t>
+            </a:r>
+            <a:endParaRPr lang="en-GB" sz="1600" kern="100" dirty="0">
+              <a:effectLst/>
+              <a:latin typeface="Times New Roman" panose="02020603050405020304" pitchFamily="18" charset="0"/>
+              <a:ea typeface="Aptos" panose="020B0004020202020204" pitchFamily="34" charset="0"/>
+              <a:cs typeface="Times New Roman" panose="02020603050405020304" pitchFamily="18" charset="0"/>
+            </a:endParaRPr>
+          </a:p>
+          <a:p>
+            <a:r>
+              <a:rPr lang="en-GB" sz="1600" dirty="0">
+                <a:latin typeface="Times New Roman" panose="02020603050405020304" pitchFamily="18" charset="0"/>
+                <a:cs typeface="Times New Roman" panose="02020603050405020304" pitchFamily="18" charset="0"/>
+              </a:rPr>
+              <a:t>[2] </a:t>
+            </a:r>
+            <a:r>
+              <a:rPr lang="en-US" sz="1600" dirty="0">
+                <a:latin typeface="Times New Roman" panose="02020603050405020304" pitchFamily="18" charset="0"/>
+                <a:cs typeface="Times New Roman" panose="02020603050405020304" pitchFamily="18" charset="0"/>
+              </a:rPr>
+              <a:t>N. England, “NHS identifies over half a million more people at risk of type 2 diabetes in a Year,” 12 June 2024. [Online]. Available: https://www.england.nhs.uk/2024/06/nhs-identifies-over-half-a-million-more-people-at-risk-of-type-2-diabetes-in-a-year/. [Accessed 9 December 2024].</a:t>
+            </a:r>
+          </a:p>
+          <a:p>
+            <a:endParaRPr lang="en-GB" sz="1600" dirty="0">
+              <a:latin typeface="Times New Roman" panose="02020603050405020304" pitchFamily="18" charset="0"/>
+              <a:cs typeface="Times New Roman" panose="02020603050405020304" pitchFamily="18" charset="0"/>
+            </a:endParaRPr>
+          </a:p>
         </p:txBody>
       </p:sp>
       <p:sp>
@@ -3740,8 +4033,8 @@
         </p:nvSpPr>
         <p:spPr>
           <a:xfrm>
-            <a:off x="7559674" y="14270927"/>
-            <a:ext cx="7146926" cy="3645012"/>
+            <a:off x="7559674" y="14928574"/>
+            <a:ext cx="7146926" cy="3766929"/>
           </a:xfrm>
           <a:prstGeom prst="rect">
             <a:avLst/>
@@ -3774,6 +4067,12 @@
               <a:t>Recommendations</a:t>
             </a:r>
           </a:p>
+          <a:p>
+            <a:endParaRPr lang="en-GB" sz="2000" dirty="0">
+              <a:latin typeface="Times New Roman" panose="02020603050405020304" pitchFamily="18" charset="0"/>
+              <a:cs typeface="Times New Roman" panose="02020603050405020304" pitchFamily="18" charset="0"/>
+            </a:endParaRPr>
+          </a:p>
         </p:txBody>
       </p:sp>
       <p:sp>
@@ -3791,7 +4090,7 @@
         <p:spPr>
           <a:xfrm>
             <a:off x="7559674" y="11791119"/>
-            <a:ext cx="7146926" cy="2290303"/>
+            <a:ext cx="7146926" cy="3028123"/>
           </a:xfrm>
           <a:prstGeom prst="rect">
             <a:avLst/>
@@ -3899,6 +4198,60 @@
               </a:rPr>
               <a:t>Tayyeba Sadaq – 100611584 – University of Derby – BSc Computer Science</a:t>
             </a:r>
+          </a:p>
+        </p:txBody>
+      </p:sp>
+      <p:sp>
+        <p:nvSpPr>
+          <p:cNvPr id="8" name="TextBox 7">
+            <a:extLst>
+              <a:ext uri="{FF2B5EF4-FFF2-40B4-BE49-F238E27FC236}">
+                <a16:creationId xmlns:a16="http://schemas.microsoft.com/office/drawing/2014/main" id="{4F06A22E-37DB-E21D-B860-3A0841996022}"/>
+              </a:ext>
+            </a:extLst>
+          </p:cNvPr>
+          <p:cNvSpPr txBox="1"/>
+          <p:nvPr/>
+        </p:nvSpPr>
+        <p:spPr>
+          <a:xfrm>
+            <a:off x="9760806" y="10427225"/>
+            <a:ext cx="2744662" cy="1200329"/>
+          </a:xfrm>
+          <a:prstGeom prst="rect">
+            <a:avLst/>
+          </a:prstGeom>
+          <a:noFill/>
+        </p:spPr>
+        <p:txBody>
+          <a:bodyPr wrap="none" rtlCol="0">
+            <a:spAutoFit/>
+          </a:bodyPr>
+          <a:lstStyle/>
+          <a:p>
+            <a:r>
+              <a:rPr lang="en-US" dirty="0"/>
+              <a:t>VISUALISATIONS TO ADD:</a:t>
+            </a:r>
+          </a:p>
+          <a:p>
+            <a:r>
+              <a:rPr lang="en-US" dirty="0"/>
+              <a:t>1. ARCHITECTURE</a:t>
+            </a:r>
+          </a:p>
+          <a:p>
+            <a:r>
+              <a:rPr lang="en-US" dirty="0"/>
+              <a:t>2. RESULTS EXAMPLE</a:t>
+            </a:r>
+          </a:p>
+          <a:p>
+            <a:r>
+              <a:rPr lang="en-US" dirty="0"/>
+              <a:t>3. UI OF WEBSITE</a:t>
+            </a:r>
+            <a:endParaRPr lang="en-GB" dirty="0"/>
           </a:p>
         </p:txBody>
       </p:sp>

--- a/Diabetes prediction with machine learning and explainable ai poster.pptx
+++ b/Diabetes prediction with machine learning and explainable ai poster.pptx
@@ -208,7 +208,7 @@
           <a:p>
             <a:fld id="{8166CC95-0DBE-4CD7-89B3-7ACCE4BCDAF1}" type="datetimeFigureOut">
               <a:rPr lang="en-GB" smtClean="0"/>
-              <a:t>17/02/2025</a:t>
+              <a:t>18/02/2025</a:t>
             </a:fld>
             <a:endParaRPr lang="en-GB"/>
           </a:p>
@@ -696,7 +696,7 @@
           <a:p>
             <a:fld id="{49E4927F-ADE1-49CD-A2B9-CD8CCD18392F}" type="datetimeFigureOut">
               <a:rPr lang="en-GB" smtClean="0"/>
-              <a:t>17/02/2025</a:t>
+              <a:t>18/02/2025</a:t>
             </a:fld>
             <a:endParaRPr lang="en-GB"/>
           </a:p>
@@ -866,7 +866,7 @@
           <a:p>
             <a:fld id="{49E4927F-ADE1-49CD-A2B9-CD8CCD18392F}" type="datetimeFigureOut">
               <a:rPr lang="en-GB" smtClean="0"/>
-              <a:t>17/02/2025</a:t>
+              <a:t>18/02/2025</a:t>
             </a:fld>
             <a:endParaRPr lang="en-GB"/>
           </a:p>
@@ -1046,7 +1046,7 @@
           <a:p>
             <a:fld id="{49E4927F-ADE1-49CD-A2B9-CD8CCD18392F}" type="datetimeFigureOut">
               <a:rPr lang="en-GB" smtClean="0"/>
-              <a:t>17/02/2025</a:t>
+              <a:t>18/02/2025</a:t>
             </a:fld>
             <a:endParaRPr lang="en-GB"/>
           </a:p>
@@ -1216,7 +1216,7 @@
           <a:p>
             <a:fld id="{49E4927F-ADE1-49CD-A2B9-CD8CCD18392F}" type="datetimeFigureOut">
               <a:rPr lang="en-GB" smtClean="0"/>
-              <a:t>17/02/2025</a:t>
+              <a:t>18/02/2025</a:t>
             </a:fld>
             <a:endParaRPr lang="en-GB"/>
           </a:p>
@@ -1462,7 +1462,7 @@
           <a:p>
             <a:fld id="{49E4927F-ADE1-49CD-A2B9-CD8CCD18392F}" type="datetimeFigureOut">
               <a:rPr lang="en-GB" smtClean="0"/>
-              <a:t>17/02/2025</a:t>
+              <a:t>18/02/2025</a:t>
             </a:fld>
             <a:endParaRPr lang="en-GB"/>
           </a:p>
@@ -1694,7 +1694,7 @@
           <a:p>
             <a:fld id="{49E4927F-ADE1-49CD-A2B9-CD8CCD18392F}" type="datetimeFigureOut">
               <a:rPr lang="en-GB" smtClean="0"/>
-              <a:t>17/02/2025</a:t>
+              <a:t>18/02/2025</a:t>
             </a:fld>
             <a:endParaRPr lang="en-GB"/>
           </a:p>
@@ -2061,7 +2061,7 @@
           <a:p>
             <a:fld id="{49E4927F-ADE1-49CD-A2B9-CD8CCD18392F}" type="datetimeFigureOut">
               <a:rPr lang="en-GB" smtClean="0"/>
-              <a:t>17/02/2025</a:t>
+              <a:t>18/02/2025</a:t>
             </a:fld>
             <a:endParaRPr lang="en-GB"/>
           </a:p>
@@ -2179,7 +2179,7 @@
           <a:p>
             <a:fld id="{49E4927F-ADE1-49CD-A2B9-CD8CCD18392F}" type="datetimeFigureOut">
               <a:rPr lang="en-GB" smtClean="0"/>
-              <a:t>17/02/2025</a:t>
+              <a:t>18/02/2025</a:t>
             </a:fld>
             <a:endParaRPr lang="en-GB"/>
           </a:p>
@@ -2274,7 +2274,7 @@
           <a:p>
             <a:fld id="{49E4927F-ADE1-49CD-A2B9-CD8CCD18392F}" type="datetimeFigureOut">
               <a:rPr lang="en-GB" smtClean="0"/>
-              <a:t>17/02/2025</a:t>
+              <a:t>18/02/2025</a:t>
             </a:fld>
             <a:endParaRPr lang="en-GB"/>
           </a:p>
@@ -2551,7 +2551,7 @@
           <a:p>
             <a:fld id="{49E4927F-ADE1-49CD-A2B9-CD8CCD18392F}" type="datetimeFigureOut">
               <a:rPr lang="en-GB" smtClean="0"/>
-              <a:t>17/02/2025</a:t>
+              <a:t>18/02/2025</a:t>
             </a:fld>
             <a:endParaRPr lang="en-GB"/>
           </a:p>
@@ -2808,7 +2808,7 @@
           <a:p>
             <a:fld id="{49E4927F-ADE1-49CD-A2B9-CD8CCD18392F}" type="datetimeFigureOut">
               <a:rPr lang="en-GB" smtClean="0"/>
-              <a:t>17/02/2025</a:t>
+              <a:t>18/02/2025</a:t>
             </a:fld>
             <a:endParaRPr lang="en-GB"/>
           </a:p>
@@ -3021,7 +3021,7 @@
           <a:p>
             <a:fld id="{49E4927F-ADE1-49CD-A2B9-CD8CCD18392F}" type="datetimeFigureOut">
               <a:rPr lang="en-GB" smtClean="0"/>
-              <a:t>17/02/2025</a:t>
+              <a:t>18/02/2025</a:t>
             </a:fld>
             <a:endParaRPr lang="en-GB"/>
           </a:p>
@@ -4250,6 +4250,51 @@
             <a:r>
               <a:rPr lang="en-US" dirty="0"/>
               <a:t>3. UI OF WEBSITE</a:t>
+            </a:r>
+            <a:endParaRPr lang="en-GB" dirty="0"/>
+          </a:p>
+        </p:txBody>
+      </p:sp>
+      <p:sp>
+        <p:nvSpPr>
+          <p:cNvPr id="3" name="TextBox 2">
+            <a:extLst>
+              <a:ext uri="{FF2B5EF4-FFF2-40B4-BE49-F238E27FC236}">
+                <a16:creationId xmlns:a16="http://schemas.microsoft.com/office/drawing/2014/main" id="{0EFB95EB-D4FA-EE36-8135-342D2FBC0962}"/>
+              </a:ext>
+            </a:extLst>
+          </p:cNvPr>
+          <p:cNvSpPr txBox="1"/>
+          <p:nvPr/>
+        </p:nvSpPr>
+        <p:spPr>
+          <a:xfrm>
+            <a:off x="1624201" y="13900575"/>
+            <a:ext cx="4603568" cy="923330"/>
+          </a:xfrm>
+          <a:prstGeom prst="rect">
+            <a:avLst/>
+          </a:prstGeom>
+          <a:noFill/>
+        </p:spPr>
+        <p:txBody>
+          <a:bodyPr wrap="none" rtlCol="0">
+            <a:spAutoFit/>
+          </a:bodyPr>
+          <a:lstStyle/>
+          <a:p>
+            <a:r>
+              <a:rPr lang="en-US" dirty="0"/>
+              <a:t>Add graph for showing test and train success</a:t>
+            </a:r>
+          </a:p>
+          <a:p>
+            <a:endParaRPr lang="en-US" dirty="0"/>
+          </a:p>
+          <a:p>
+            <a:r>
+              <a:rPr lang="en-US" dirty="0"/>
+              <a:t>Add graph for best lime</a:t>
             </a:r>
             <a:endParaRPr lang="en-GB" dirty="0"/>
           </a:p>

--- a/Diabetes prediction with machine learning and explainable ai poster.pptx
+++ b/Diabetes prediction with machine learning and explainable ai poster.pptx
@@ -2,15 +2,15 @@
 <file path=ppt/presentation.xml><?xml version="1.0" encoding="utf-8"?>
 <p:presentation xmlns:a="http://schemas.openxmlformats.org/drawingml/2006/main" xmlns:r="http://schemas.openxmlformats.org/officeDocument/2006/relationships" xmlns:p="http://schemas.openxmlformats.org/presentationml/2006/main" saveSubsetFonts="1">
   <p:sldMasterIdLst>
-    <p:sldMasterId id="2147483696" r:id="rId1"/>
+    <p:sldMasterId id="2147483708" r:id="rId1"/>
   </p:sldMasterIdLst>
   <p:notesMasterIdLst>
     <p:notesMasterId r:id="rId3"/>
   </p:notesMasterIdLst>
   <p:sldIdLst>
-    <p:sldId id="256" r:id="rId2"/>
+    <p:sldId id="257" r:id="rId2"/>
   </p:sldIdLst>
-  <p:sldSz cx="15119350" cy="21383625"/>
+  <p:sldSz cx="21383625" cy="30275213"/>
   <p:notesSz cx="6858000" cy="9144000"/>
   <p:defaultTextStyle>
     <a:defPPr>
@@ -110,12 +110,12 @@
   <p:extLst>
     <p:ext uri="{EFAFB233-063F-42B5-8137-9DF3F51BA10A}">
       <p15:sldGuideLst xmlns:p15="http://schemas.microsoft.com/office/powerpoint/2012/main">
-        <p15:guide id="1" orient="horz" pos="6735" userDrawn="1">
+        <p15:guide id="1" orient="horz" pos="9536" userDrawn="1">
           <p15:clr>
             <a:srgbClr val="A4A3A4"/>
           </p15:clr>
         </p15:guide>
-        <p15:guide id="2" pos="4762" userDrawn="1">
+        <p15:guide id="2" pos="6735" userDrawn="1">
           <p15:clr>
             <a:srgbClr val="A4A3A4"/>
           </p15:clr>
@@ -208,7 +208,7 @@
           <a:p>
             <a:fld id="{8166CC95-0DBE-4CD7-89B3-7ACCE4BCDAF1}" type="datetimeFigureOut">
               <a:rPr lang="en-GB" smtClean="0"/>
-              <a:t>18/02/2025</a:t>
+              <a:t>21/02/2025</a:t>
             </a:fld>
             <a:endParaRPr lang="en-GB"/>
           </a:p>
@@ -382,8 +382,8 @@
   </p:cSld>
   <p:clrMap bg1="lt1" tx1="dk1" bg2="lt2" tx2="dk2" accent1="accent1" accent2="accent2" accent3="accent3" accent4="accent4" accent5="accent5" accent6="accent6" hlink="hlink" folHlink="folHlink"/>
   <p:notesStyle>
-    <a:lvl1pPr marL="0" algn="l" defTabSz="1752111" rtl="0" eaLnBrk="1" latinLnBrk="0" hangingPunct="1">
-      <a:defRPr sz="2299" kern="1200">
+    <a:lvl1pPr marL="0" algn="l" defTabSz="2479412" rtl="0" eaLnBrk="1" latinLnBrk="0" hangingPunct="1">
+      <a:defRPr sz="3253" kern="1200">
         <a:solidFill>
           <a:schemeClr val="tx1"/>
         </a:solidFill>
@@ -392,8 +392,8 @@
         <a:cs typeface="+mn-cs"/>
       </a:defRPr>
     </a:lvl1pPr>
-    <a:lvl2pPr marL="876056" algn="l" defTabSz="1752111" rtl="0" eaLnBrk="1" latinLnBrk="0" hangingPunct="1">
-      <a:defRPr sz="2299" kern="1200">
+    <a:lvl2pPr marL="1239707" algn="l" defTabSz="2479412" rtl="0" eaLnBrk="1" latinLnBrk="0" hangingPunct="1">
+      <a:defRPr sz="3253" kern="1200">
         <a:solidFill>
           <a:schemeClr val="tx1"/>
         </a:solidFill>
@@ -402,8 +402,8 @@
         <a:cs typeface="+mn-cs"/>
       </a:defRPr>
     </a:lvl2pPr>
-    <a:lvl3pPr marL="1752111" algn="l" defTabSz="1752111" rtl="0" eaLnBrk="1" latinLnBrk="0" hangingPunct="1">
-      <a:defRPr sz="2299" kern="1200">
+    <a:lvl3pPr marL="2479412" algn="l" defTabSz="2479412" rtl="0" eaLnBrk="1" latinLnBrk="0" hangingPunct="1">
+      <a:defRPr sz="3253" kern="1200">
         <a:solidFill>
           <a:schemeClr val="tx1"/>
         </a:solidFill>
@@ -412,8 +412,8 @@
         <a:cs typeface="+mn-cs"/>
       </a:defRPr>
     </a:lvl3pPr>
-    <a:lvl4pPr marL="2628167" algn="l" defTabSz="1752111" rtl="0" eaLnBrk="1" latinLnBrk="0" hangingPunct="1">
-      <a:defRPr sz="2299" kern="1200">
+    <a:lvl4pPr marL="3719119" algn="l" defTabSz="2479412" rtl="0" eaLnBrk="1" latinLnBrk="0" hangingPunct="1">
+      <a:defRPr sz="3253" kern="1200">
         <a:solidFill>
           <a:schemeClr val="tx1"/>
         </a:solidFill>
@@ -422,8 +422,8 @@
         <a:cs typeface="+mn-cs"/>
       </a:defRPr>
     </a:lvl4pPr>
-    <a:lvl5pPr marL="3504222" algn="l" defTabSz="1752111" rtl="0" eaLnBrk="1" latinLnBrk="0" hangingPunct="1">
-      <a:defRPr sz="2299" kern="1200">
+    <a:lvl5pPr marL="4958825" algn="l" defTabSz="2479412" rtl="0" eaLnBrk="1" latinLnBrk="0" hangingPunct="1">
+      <a:defRPr sz="3253" kern="1200">
         <a:solidFill>
           <a:schemeClr val="tx1"/>
         </a:solidFill>
@@ -432,8 +432,8 @@
         <a:cs typeface="+mn-cs"/>
       </a:defRPr>
     </a:lvl5pPr>
-    <a:lvl6pPr marL="4380278" algn="l" defTabSz="1752111" rtl="0" eaLnBrk="1" latinLnBrk="0" hangingPunct="1">
-      <a:defRPr sz="2299" kern="1200">
+    <a:lvl6pPr marL="6198531" algn="l" defTabSz="2479412" rtl="0" eaLnBrk="1" latinLnBrk="0" hangingPunct="1">
+      <a:defRPr sz="3253" kern="1200">
         <a:solidFill>
           <a:schemeClr val="tx1"/>
         </a:solidFill>
@@ -442,8 +442,8 @@
         <a:cs typeface="+mn-cs"/>
       </a:defRPr>
     </a:lvl6pPr>
-    <a:lvl7pPr marL="5256333" algn="l" defTabSz="1752111" rtl="0" eaLnBrk="1" latinLnBrk="0" hangingPunct="1">
-      <a:defRPr sz="2299" kern="1200">
+    <a:lvl7pPr marL="7438237" algn="l" defTabSz="2479412" rtl="0" eaLnBrk="1" latinLnBrk="0" hangingPunct="1">
+      <a:defRPr sz="3253" kern="1200">
         <a:solidFill>
           <a:schemeClr val="tx1"/>
         </a:solidFill>
@@ -452,8 +452,8 @@
         <a:cs typeface="+mn-cs"/>
       </a:defRPr>
     </a:lvl7pPr>
-    <a:lvl8pPr marL="6132388" algn="l" defTabSz="1752111" rtl="0" eaLnBrk="1" latinLnBrk="0" hangingPunct="1">
-      <a:defRPr sz="2299" kern="1200">
+    <a:lvl8pPr marL="8677942" algn="l" defTabSz="2479412" rtl="0" eaLnBrk="1" latinLnBrk="0" hangingPunct="1">
+      <a:defRPr sz="3253" kern="1200">
         <a:solidFill>
           <a:schemeClr val="tx1"/>
         </a:solidFill>
@@ -462,8 +462,8 @@
         <a:cs typeface="+mn-cs"/>
       </a:defRPr>
     </a:lvl8pPr>
-    <a:lvl9pPr marL="7008444" algn="l" defTabSz="1752111" rtl="0" eaLnBrk="1" latinLnBrk="0" hangingPunct="1">
-      <a:defRPr sz="2299" kern="1200">
+    <a:lvl9pPr marL="9917649" algn="l" defTabSz="2479412" rtl="0" eaLnBrk="1" latinLnBrk="0" hangingPunct="1">
+      <a:defRPr sz="3253" kern="1200">
         <a:solidFill>
           <a:schemeClr val="tx1"/>
         </a:solidFill>
@@ -474,95 +474,6 @@
     </a:lvl9pPr>
   </p:notesStyle>
 </p:notesMaster>
-</file>
-
-<file path=ppt/notesSlides/notesSlide1.xml><?xml version="1.0" encoding="utf-8"?>
-<p:notes xmlns:a="http://schemas.openxmlformats.org/drawingml/2006/main" xmlns:r="http://schemas.openxmlformats.org/officeDocument/2006/relationships" xmlns:p="http://schemas.openxmlformats.org/presentationml/2006/main">
-  <p:cSld>
-    <p:spTree>
-      <p:nvGrpSpPr>
-        <p:cNvPr id="1" name=""/>
-        <p:cNvGrpSpPr/>
-        <p:nvPr/>
-      </p:nvGrpSpPr>
-      <p:grpSpPr>
-        <a:xfrm>
-          <a:off x="0" y="0"/>
-          <a:ext cx="0" cy="0"/>
-          <a:chOff x="0" y="0"/>
-          <a:chExt cx="0" cy="0"/>
-        </a:xfrm>
-      </p:grpSpPr>
-      <p:sp>
-        <p:nvSpPr>
-          <p:cNvPr id="2" name="Slide Image Placeholder 1"/>
-          <p:cNvSpPr>
-            <a:spLocks noGrp="1" noRot="1" noChangeAspect="1"/>
-          </p:cNvSpPr>
-          <p:nvPr>
-            <p:ph type="sldImg"/>
-          </p:nvPr>
-        </p:nvSpPr>
-        <p:spPr>
-          <a:xfrm>
-            <a:off x="2338388" y="1143000"/>
-            <a:ext cx="2181225" cy="3086100"/>
-          </a:xfrm>
-        </p:spPr>
-      </p:sp>
-      <p:sp>
-        <p:nvSpPr>
-          <p:cNvPr id="3" name="Notes Placeholder 2"/>
-          <p:cNvSpPr>
-            <a:spLocks noGrp="1"/>
-          </p:cNvSpPr>
-          <p:nvPr>
-            <p:ph type="body" idx="1"/>
-          </p:nvPr>
-        </p:nvSpPr>
-        <p:spPr/>
-        <p:txBody>
-          <a:bodyPr/>
-          <a:lstStyle/>
-          <a:p>
-            <a:endParaRPr lang="en-GB" dirty="0"/>
-          </a:p>
-        </p:txBody>
-      </p:sp>
-      <p:sp>
-        <p:nvSpPr>
-          <p:cNvPr id="4" name="Slide Number Placeholder 3"/>
-          <p:cNvSpPr>
-            <a:spLocks noGrp="1"/>
-          </p:cNvSpPr>
-          <p:nvPr>
-            <p:ph type="sldNum" sz="quarter" idx="5"/>
-          </p:nvPr>
-        </p:nvSpPr>
-        <p:spPr/>
-        <p:txBody>
-          <a:bodyPr/>
-          <a:lstStyle/>
-          <a:p>
-            <a:fld id="{3BE22A03-6BA4-4F0D-847B-02F3649E7A67}" type="slidenum">
-              <a:rPr lang="en-GB" smtClean="0"/>
-              <a:t>1</a:t>
-            </a:fld>
-            <a:endParaRPr lang="en-GB"/>
-          </a:p>
-        </p:txBody>
-      </p:sp>
-    </p:spTree>
-    <p:extLst>
-      <p:ext uri="{BB962C8B-B14F-4D97-AF65-F5344CB8AC3E}">
-        <p14:creationId xmlns:p14="http://schemas.microsoft.com/office/powerpoint/2010/main" val="1732357794"/>
-      </p:ext>
-    </p:extLst>
-  </p:cSld>
-  <p:clrMapOvr>
-    <a:masterClrMapping/>
-  </p:clrMapOvr>
-</p:notes>
 </file>
 
 <file path=ppt/slideLayouts/slideLayout1.xml><?xml version="1.0" encoding="utf-8"?>
@@ -594,15 +505,15 @@
         </p:nvSpPr>
         <p:spPr>
           <a:xfrm>
-            <a:off x="1133951" y="3499590"/>
-            <a:ext cx="12851448" cy="7444669"/>
+            <a:off x="1603772" y="4954765"/>
+            <a:ext cx="18176081" cy="10540259"/>
           </a:xfrm>
         </p:spPr>
         <p:txBody>
           <a:bodyPr anchor="b"/>
           <a:lstStyle>
             <a:lvl1pPr algn="ctr">
-              <a:defRPr sz="9921"/>
+              <a:defRPr sz="14031"/>
             </a:lvl1pPr>
           </a:lstStyle>
           <a:p>
@@ -626,8 +537,8 @@
         </p:nvSpPr>
         <p:spPr>
           <a:xfrm>
-            <a:off x="1889919" y="11231355"/>
-            <a:ext cx="11339513" cy="5162758"/>
+            <a:off x="2672953" y="15901497"/>
+            <a:ext cx="16037719" cy="7309499"/>
           </a:xfrm>
         </p:spPr>
         <p:txBody>
@@ -635,39 +546,39 @@
           <a:lstStyle>
             <a:lvl1pPr marL="0" indent="0" algn="ctr">
               <a:buNone/>
-              <a:defRPr sz="3968"/>
+              <a:defRPr sz="5612"/>
             </a:lvl1pPr>
-            <a:lvl2pPr marL="755980" indent="0" algn="ctr">
-              <a:buNone/>
-              <a:defRPr sz="3307"/>
+            <a:lvl2pPr marL="1069162" indent="0" algn="ctr">
+              <a:buNone/>
+              <a:defRPr sz="4677"/>
             </a:lvl2pPr>
-            <a:lvl3pPr marL="1511960" indent="0" algn="ctr">
-              <a:buNone/>
-              <a:defRPr sz="2976"/>
+            <a:lvl3pPr marL="2138324" indent="0" algn="ctr">
+              <a:buNone/>
+              <a:defRPr sz="4209"/>
             </a:lvl3pPr>
-            <a:lvl4pPr marL="2267941" indent="0" algn="ctr">
-              <a:buNone/>
-              <a:defRPr sz="2646"/>
+            <a:lvl4pPr marL="3207487" indent="0" algn="ctr">
+              <a:buNone/>
+              <a:defRPr sz="3742"/>
             </a:lvl4pPr>
-            <a:lvl5pPr marL="3023921" indent="0" algn="ctr">
-              <a:buNone/>
-              <a:defRPr sz="2646"/>
+            <a:lvl5pPr marL="4276649" indent="0" algn="ctr">
+              <a:buNone/>
+              <a:defRPr sz="3742"/>
             </a:lvl5pPr>
-            <a:lvl6pPr marL="3779901" indent="0" algn="ctr">
-              <a:buNone/>
-              <a:defRPr sz="2646"/>
+            <a:lvl6pPr marL="5345811" indent="0" algn="ctr">
+              <a:buNone/>
+              <a:defRPr sz="3742"/>
             </a:lvl6pPr>
-            <a:lvl7pPr marL="4535881" indent="0" algn="ctr">
-              <a:buNone/>
-              <a:defRPr sz="2646"/>
+            <a:lvl7pPr marL="6414973" indent="0" algn="ctr">
+              <a:buNone/>
+              <a:defRPr sz="3742"/>
             </a:lvl7pPr>
-            <a:lvl8pPr marL="5291861" indent="0" algn="ctr">
-              <a:buNone/>
-              <a:defRPr sz="2646"/>
+            <a:lvl8pPr marL="7484135" indent="0" algn="ctr">
+              <a:buNone/>
+              <a:defRPr sz="3742"/>
             </a:lvl8pPr>
-            <a:lvl9pPr marL="6047842" indent="0" algn="ctr">
-              <a:buNone/>
-              <a:defRPr sz="2646"/>
+            <a:lvl9pPr marL="8553298" indent="0" algn="ctr">
+              <a:buNone/>
+              <a:defRPr sz="3742"/>
             </a:lvl9pPr>
           </a:lstStyle>
           <a:p>
@@ -696,7 +607,7 @@
           <a:p>
             <a:fld id="{49E4927F-ADE1-49CD-A2B9-CD8CCD18392F}" type="datetimeFigureOut">
               <a:rPr lang="en-GB" smtClean="0"/>
-              <a:t>18/02/2025</a:t>
+              <a:t>21/02/2025</a:t>
             </a:fld>
             <a:endParaRPr lang="en-GB"/>
           </a:p>
@@ -747,7 +658,7 @@
     </p:spTree>
     <p:extLst>
       <p:ext uri="{BB962C8B-B14F-4D97-AF65-F5344CB8AC3E}">
-        <p14:creationId xmlns:p14="http://schemas.microsoft.com/office/powerpoint/2010/main" val="3165174728"/>
+        <p14:creationId xmlns:p14="http://schemas.microsoft.com/office/powerpoint/2010/main" val="1642425454"/>
       </p:ext>
     </p:extLst>
   </p:cSld>
@@ -866,7 +777,7 @@
           <a:p>
             <a:fld id="{49E4927F-ADE1-49CD-A2B9-CD8CCD18392F}" type="datetimeFigureOut">
               <a:rPr lang="en-GB" smtClean="0"/>
-              <a:t>18/02/2025</a:t>
+              <a:t>21/02/2025</a:t>
             </a:fld>
             <a:endParaRPr lang="en-GB"/>
           </a:p>
@@ -917,7 +828,7 @@
     </p:spTree>
     <p:extLst>
       <p:ext uri="{BB962C8B-B14F-4D97-AF65-F5344CB8AC3E}">
-        <p14:creationId xmlns:p14="http://schemas.microsoft.com/office/powerpoint/2010/main" val="2036836975"/>
+        <p14:creationId xmlns:p14="http://schemas.microsoft.com/office/powerpoint/2010/main" val="583966412"/>
       </p:ext>
     </p:extLst>
   </p:cSld>
@@ -956,8 +867,8 @@
         </p:nvSpPr>
         <p:spPr>
           <a:xfrm>
-            <a:off x="10819786" y="1138480"/>
-            <a:ext cx="3260110" cy="18121634"/>
+            <a:off x="15302658" y="1611875"/>
+            <a:ext cx="4610844" cy="25656844"/>
           </a:xfrm>
         </p:spPr>
         <p:txBody>
@@ -984,8 +895,8 @@
         </p:nvSpPr>
         <p:spPr>
           <a:xfrm>
-            <a:off x="1039456" y="1138480"/>
-            <a:ext cx="9591338" cy="18121634"/>
+            <a:off x="1470125" y="1611875"/>
+            <a:ext cx="13565237" cy="25656844"/>
           </a:xfrm>
         </p:spPr>
         <p:txBody>
@@ -1046,7 +957,7 @@
           <a:p>
             <a:fld id="{49E4927F-ADE1-49CD-A2B9-CD8CCD18392F}" type="datetimeFigureOut">
               <a:rPr lang="en-GB" smtClean="0"/>
-              <a:t>18/02/2025</a:t>
+              <a:t>21/02/2025</a:t>
             </a:fld>
             <a:endParaRPr lang="en-GB"/>
           </a:p>
@@ -1097,7 +1008,7 @@
     </p:spTree>
     <p:extLst>
       <p:ext uri="{BB962C8B-B14F-4D97-AF65-F5344CB8AC3E}">
-        <p14:creationId xmlns:p14="http://schemas.microsoft.com/office/powerpoint/2010/main" val="3505155956"/>
+        <p14:creationId xmlns:p14="http://schemas.microsoft.com/office/powerpoint/2010/main" val="4256997327"/>
       </p:ext>
     </p:extLst>
   </p:cSld>
@@ -1216,7 +1127,7 @@
           <a:p>
             <a:fld id="{49E4927F-ADE1-49CD-A2B9-CD8CCD18392F}" type="datetimeFigureOut">
               <a:rPr lang="en-GB" smtClean="0"/>
-              <a:t>18/02/2025</a:t>
+              <a:t>21/02/2025</a:t>
             </a:fld>
             <a:endParaRPr lang="en-GB"/>
           </a:p>
@@ -1267,7 +1178,7 @@
     </p:spTree>
     <p:extLst>
       <p:ext uri="{BB962C8B-B14F-4D97-AF65-F5344CB8AC3E}">
-        <p14:creationId xmlns:p14="http://schemas.microsoft.com/office/powerpoint/2010/main" val="626477289"/>
+        <p14:creationId xmlns:p14="http://schemas.microsoft.com/office/powerpoint/2010/main" val="565694955"/>
       </p:ext>
     </p:extLst>
   </p:cSld>
@@ -1306,15 +1217,15 @@
         </p:nvSpPr>
         <p:spPr>
           <a:xfrm>
-            <a:off x="1031582" y="5331063"/>
-            <a:ext cx="13040439" cy="8894992"/>
+            <a:off x="1458988" y="7547788"/>
+            <a:ext cx="18443377" cy="12593645"/>
           </a:xfrm>
         </p:spPr>
         <p:txBody>
           <a:bodyPr anchor="b"/>
           <a:lstStyle>
             <a:lvl1pPr>
-              <a:defRPr sz="9921"/>
+              <a:defRPr sz="14031"/>
             </a:lvl1pPr>
           </a:lstStyle>
           <a:p>
@@ -1338,8 +1249,8 @@
         </p:nvSpPr>
         <p:spPr>
           <a:xfrm>
-            <a:off x="1031582" y="14310205"/>
-            <a:ext cx="13040439" cy="4677666"/>
+            <a:off x="1458988" y="20260574"/>
+            <a:ext cx="18443377" cy="6622701"/>
           </a:xfrm>
         </p:spPr>
         <p:txBody>
@@ -1347,7 +1258,7 @@
           <a:lstStyle>
             <a:lvl1pPr marL="0" indent="0">
               <a:buNone/>
-              <a:defRPr sz="3968">
+              <a:defRPr sz="5612">
                 <a:solidFill>
                   <a:schemeClr val="tx1">
                     <a:tint val="82000"/>
@@ -1355,9 +1266,9 @@
                 </a:solidFill>
               </a:defRPr>
             </a:lvl1pPr>
-            <a:lvl2pPr marL="755980" indent="0">
-              <a:buNone/>
-              <a:defRPr sz="3307">
+            <a:lvl2pPr marL="1069162" indent="0">
+              <a:buNone/>
+              <a:defRPr sz="4677">
                 <a:solidFill>
                   <a:schemeClr val="tx1">
                     <a:tint val="82000"/>
@@ -1365,9 +1276,9 @@
                 </a:solidFill>
               </a:defRPr>
             </a:lvl2pPr>
-            <a:lvl3pPr marL="1511960" indent="0">
-              <a:buNone/>
-              <a:defRPr sz="2976">
+            <a:lvl3pPr marL="2138324" indent="0">
+              <a:buNone/>
+              <a:defRPr sz="4209">
                 <a:solidFill>
                   <a:schemeClr val="tx1">
                     <a:tint val="82000"/>
@@ -1375,9 +1286,9 @@
                 </a:solidFill>
               </a:defRPr>
             </a:lvl3pPr>
-            <a:lvl4pPr marL="2267941" indent="0">
-              <a:buNone/>
-              <a:defRPr sz="2646">
+            <a:lvl4pPr marL="3207487" indent="0">
+              <a:buNone/>
+              <a:defRPr sz="3742">
                 <a:solidFill>
                   <a:schemeClr val="tx1">
                     <a:tint val="82000"/>
@@ -1385,9 +1296,9 @@
                 </a:solidFill>
               </a:defRPr>
             </a:lvl4pPr>
-            <a:lvl5pPr marL="3023921" indent="0">
-              <a:buNone/>
-              <a:defRPr sz="2646">
+            <a:lvl5pPr marL="4276649" indent="0">
+              <a:buNone/>
+              <a:defRPr sz="3742">
                 <a:solidFill>
                   <a:schemeClr val="tx1">
                     <a:tint val="82000"/>
@@ -1395,9 +1306,9 @@
                 </a:solidFill>
               </a:defRPr>
             </a:lvl5pPr>
-            <a:lvl6pPr marL="3779901" indent="0">
-              <a:buNone/>
-              <a:defRPr sz="2646">
+            <a:lvl6pPr marL="5345811" indent="0">
+              <a:buNone/>
+              <a:defRPr sz="3742">
                 <a:solidFill>
                   <a:schemeClr val="tx1">
                     <a:tint val="82000"/>
@@ -1405,9 +1316,9 @@
                 </a:solidFill>
               </a:defRPr>
             </a:lvl6pPr>
-            <a:lvl7pPr marL="4535881" indent="0">
-              <a:buNone/>
-              <a:defRPr sz="2646">
+            <a:lvl7pPr marL="6414973" indent="0">
+              <a:buNone/>
+              <a:defRPr sz="3742">
                 <a:solidFill>
                   <a:schemeClr val="tx1">
                     <a:tint val="82000"/>
@@ -1415,9 +1326,9 @@
                 </a:solidFill>
               </a:defRPr>
             </a:lvl7pPr>
-            <a:lvl8pPr marL="5291861" indent="0">
-              <a:buNone/>
-              <a:defRPr sz="2646">
+            <a:lvl8pPr marL="7484135" indent="0">
+              <a:buNone/>
+              <a:defRPr sz="3742">
                 <a:solidFill>
                   <a:schemeClr val="tx1">
                     <a:tint val="82000"/>
@@ -1425,9 +1336,9 @@
                 </a:solidFill>
               </a:defRPr>
             </a:lvl8pPr>
-            <a:lvl9pPr marL="6047842" indent="0">
-              <a:buNone/>
-              <a:defRPr sz="2646">
+            <a:lvl9pPr marL="8553298" indent="0">
+              <a:buNone/>
+              <a:defRPr sz="3742">
                 <a:solidFill>
                   <a:schemeClr val="tx1">
                     <a:tint val="82000"/>
@@ -1462,7 +1373,7 @@
           <a:p>
             <a:fld id="{49E4927F-ADE1-49CD-A2B9-CD8CCD18392F}" type="datetimeFigureOut">
               <a:rPr lang="en-GB" smtClean="0"/>
-              <a:t>18/02/2025</a:t>
+              <a:t>21/02/2025</a:t>
             </a:fld>
             <a:endParaRPr lang="en-GB"/>
           </a:p>
@@ -1513,7 +1424,7 @@
     </p:spTree>
     <p:extLst>
       <p:ext uri="{BB962C8B-B14F-4D97-AF65-F5344CB8AC3E}">
-        <p14:creationId xmlns:p14="http://schemas.microsoft.com/office/powerpoint/2010/main" val="807960321"/>
+        <p14:creationId xmlns:p14="http://schemas.microsoft.com/office/powerpoint/2010/main" val="2123078637"/>
       </p:ext>
     </p:extLst>
   </p:cSld>
@@ -1575,8 +1486,8 @@
         </p:nvSpPr>
         <p:spPr>
           <a:xfrm>
-            <a:off x="1039455" y="5692400"/>
-            <a:ext cx="6425724" cy="13567714"/>
+            <a:off x="1470124" y="8059374"/>
+            <a:ext cx="9088041" cy="19209345"/>
           </a:xfrm>
         </p:spPr>
         <p:txBody>
@@ -1632,8 +1543,8 @@
         </p:nvSpPr>
         <p:spPr>
           <a:xfrm>
-            <a:off x="7654171" y="5692400"/>
-            <a:ext cx="6425724" cy="13567714"/>
+            <a:off x="10825460" y="8059374"/>
+            <a:ext cx="9088041" cy="19209345"/>
           </a:xfrm>
         </p:spPr>
         <p:txBody>
@@ -1694,7 +1605,7 @@
           <a:p>
             <a:fld id="{49E4927F-ADE1-49CD-A2B9-CD8CCD18392F}" type="datetimeFigureOut">
               <a:rPr lang="en-GB" smtClean="0"/>
-              <a:t>18/02/2025</a:t>
+              <a:t>21/02/2025</a:t>
             </a:fld>
             <a:endParaRPr lang="en-GB"/>
           </a:p>
@@ -1745,7 +1656,7 @@
     </p:spTree>
     <p:extLst>
       <p:ext uri="{BB962C8B-B14F-4D97-AF65-F5344CB8AC3E}">
-        <p14:creationId xmlns:p14="http://schemas.microsoft.com/office/powerpoint/2010/main" val="2278706256"/>
+        <p14:creationId xmlns:p14="http://schemas.microsoft.com/office/powerpoint/2010/main" val="4024224221"/>
       </p:ext>
     </p:extLst>
   </p:cSld>
@@ -1784,8 +1695,8 @@
         </p:nvSpPr>
         <p:spPr>
           <a:xfrm>
-            <a:off x="1041425" y="1138485"/>
-            <a:ext cx="13040439" cy="4133179"/>
+            <a:off x="1472909" y="1611882"/>
+            <a:ext cx="18443377" cy="5851808"/>
           </a:xfrm>
         </p:spPr>
         <p:txBody>
@@ -1812,8 +1723,8 @@
         </p:nvSpPr>
         <p:spPr>
           <a:xfrm>
-            <a:off x="1041426" y="5241960"/>
-            <a:ext cx="6396193" cy="2569003"/>
+            <a:off x="1472912" y="7421634"/>
+            <a:ext cx="9046274" cy="3637228"/>
           </a:xfrm>
         </p:spPr>
         <p:txBody>
@@ -1821,39 +1732,39 @@
           <a:lstStyle>
             <a:lvl1pPr marL="0" indent="0">
               <a:buNone/>
-              <a:defRPr sz="3968" b="1"/>
+              <a:defRPr sz="5612" b="1"/>
             </a:lvl1pPr>
-            <a:lvl2pPr marL="755980" indent="0">
-              <a:buNone/>
-              <a:defRPr sz="3307" b="1"/>
+            <a:lvl2pPr marL="1069162" indent="0">
+              <a:buNone/>
+              <a:defRPr sz="4677" b="1"/>
             </a:lvl2pPr>
-            <a:lvl3pPr marL="1511960" indent="0">
-              <a:buNone/>
-              <a:defRPr sz="2976" b="1"/>
+            <a:lvl3pPr marL="2138324" indent="0">
+              <a:buNone/>
+              <a:defRPr sz="4209" b="1"/>
             </a:lvl3pPr>
-            <a:lvl4pPr marL="2267941" indent="0">
-              <a:buNone/>
-              <a:defRPr sz="2646" b="1"/>
+            <a:lvl4pPr marL="3207487" indent="0">
+              <a:buNone/>
+              <a:defRPr sz="3742" b="1"/>
             </a:lvl4pPr>
-            <a:lvl5pPr marL="3023921" indent="0">
-              <a:buNone/>
-              <a:defRPr sz="2646" b="1"/>
+            <a:lvl5pPr marL="4276649" indent="0">
+              <a:buNone/>
+              <a:defRPr sz="3742" b="1"/>
             </a:lvl5pPr>
-            <a:lvl6pPr marL="3779901" indent="0">
-              <a:buNone/>
-              <a:defRPr sz="2646" b="1"/>
+            <a:lvl6pPr marL="5345811" indent="0">
+              <a:buNone/>
+              <a:defRPr sz="3742" b="1"/>
             </a:lvl6pPr>
-            <a:lvl7pPr marL="4535881" indent="0">
-              <a:buNone/>
-              <a:defRPr sz="2646" b="1"/>
+            <a:lvl7pPr marL="6414973" indent="0">
+              <a:buNone/>
+              <a:defRPr sz="3742" b="1"/>
             </a:lvl7pPr>
-            <a:lvl8pPr marL="5291861" indent="0">
-              <a:buNone/>
-              <a:defRPr sz="2646" b="1"/>
+            <a:lvl8pPr marL="7484135" indent="0">
+              <a:buNone/>
+              <a:defRPr sz="3742" b="1"/>
             </a:lvl8pPr>
-            <a:lvl9pPr marL="6047842" indent="0">
-              <a:buNone/>
-              <a:defRPr sz="2646" b="1"/>
+            <a:lvl9pPr marL="8553298" indent="0">
+              <a:buNone/>
+              <a:defRPr sz="3742" b="1"/>
             </a:lvl9pPr>
           </a:lstStyle>
           <a:p>
@@ -1877,8 +1788,8 @@
         </p:nvSpPr>
         <p:spPr>
           <a:xfrm>
-            <a:off x="1041426" y="7810963"/>
-            <a:ext cx="6396193" cy="11488750"/>
+            <a:off x="1472912" y="11058863"/>
+            <a:ext cx="9046274" cy="16265921"/>
           </a:xfrm>
         </p:spPr>
         <p:txBody>
@@ -1934,8 +1845,8 @@
         </p:nvSpPr>
         <p:spPr>
           <a:xfrm>
-            <a:off x="7654172" y="5241960"/>
-            <a:ext cx="6427693" cy="2569003"/>
+            <a:off x="10825461" y="7421634"/>
+            <a:ext cx="9090826" cy="3637228"/>
           </a:xfrm>
         </p:spPr>
         <p:txBody>
@@ -1943,39 +1854,39 @@
           <a:lstStyle>
             <a:lvl1pPr marL="0" indent="0">
               <a:buNone/>
-              <a:defRPr sz="3968" b="1"/>
+              <a:defRPr sz="5612" b="1"/>
             </a:lvl1pPr>
-            <a:lvl2pPr marL="755980" indent="0">
-              <a:buNone/>
-              <a:defRPr sz="3307" b="1"/>
+            <a:lvl2pPr marL="1069162" indent="0">
+              <a:buNone/>
+              <a:defRPr sz="4677" b="1"/>
             </a:lvl2pPr>
-            <a:lvl3pPr marL="1511960" indent="0">
-              <a:buNone/>
-              <a:defRPr sz="2976" b="1"/>
+            <a:lvl3pPr marL="2138324" indent="0">
+              <a:buNone/>
+              <a:defRPr sz="4209" b="1"/>
             </a:lvl3pPr>
-            <a:lvl4pPr marL="2267941" indent="0">
-              <a:buNone/>
-              <a:defRPr sz="2646" b="1"/>
+            <a:lvl4pPr marL="3207487" indent="0">
+              <a:buNone/>
+              <a:defRPr sz="3742" b="1"/>
             </a:lvl4pPr>
-            <a:lvl5pPr marL="3023921" indent="0">
-              <a:buNone/>
-              <a:defRPr sz="2646" b="1"/>
+            <a:lvl5pPr marL="4276649" indent="0">
+              <a:buNone/>
+              <a:defRPr sz="3742" b="1"/>
             </a:lvl5pPr>
-            <a:lvl6pPr marL="3779901" indent="0">
-              <a:buNone/>
-              <a:defRPr sz="2646" b="1"/>
+            <a:lvl6pPr marL="5345811" indent="0">
+              <a:buNone/>
+              <a:defRPr sz="3742" b="1"/>
             </a:lvl6pPr>
-            <a:lvl7pPr marL="4535881" indent="0">
-              <a:buNone/>
-              <a:defRPr sz="2646" b="1"/>
+            <a:lvl7pPr marL="6414973" indent="0">
+              <a:buNone/>
+              <a:defRPr sz="3742" b="1"/>
             </a:lvl7pPr>
-            <a:lvl8pPr marL="5291861" indent="0">
-              <a:buNone/>
-              <a:defRPr sz="2646" b="1"/>
+            <a:lvl8pPr marL="7484135" indent="0">
+              <a:buNone/>
+              <a:defRPr sz="3742" b="1"/>
             </a:lvl8pPr>
-            <a:lvl9pPr marL="6047842" indent="0">
-              <a:buNone/>
-              <a:defRPr sz="2646" b="1"/>
+            <a:lvl9pPr marL="8553298" indent="0">
+              <a:buNone/>
+              <a:defRPr sz="3742" b="1"/>
             </a:lvl9pPr>
           </a:lstStyle>
           <a:p>
@@ -1999,8 +1910,8 @@
         </p:nvSpPr>
         <p:spPr>
           <a:xfrm>
-            <a:off x="7654172" y="7810963"/>
-            <a:ext cx="6427693" cy="11488750"/>
+            <a:off x="10825461" y="11058863"/>
+            <a:ext cx="9090826" cy="16265921"/>
           </a:xfrm>
         </p:spPr>
         <p:txBody>
@@ -2061,7 +1972,7 @@
           <a:p>
             <a:fld id="{49E4927F-ADE1-49CD-A2B9-CD8CCD18392F}" type="datetimeFigureOut">
               <a:rPr lang="en-GB" smtClean="0"/>
-              <a:t>18/02/2025</a:t>
+              <a:t>21/02/2025</a:t>
             </a:fld>
             <a:endParaRPr lang="en-GB"/>
           </a:p>
@@ -2112,7 +2023,7 @@
     </p:spTree>
     <p:extLst>
       <p:ext uri="{BB962C8B-B14F-4D97-AF65-F5344CB8AC3E}">
-        <p14:creationId xmlns:p14="http://schemas.microsoft.com/office/powerpoint/2010/main" val="2997078131"/>
+        <p14:creationId xmlns:p14="http://schemas.microsoft.com/office/powerpoint/2010/main" val="3760600947"/>
       </p:ext>
     </p:extLst>
   </p:cSld>
@@ -2179,7 +2090,7 @@
           <a:p>
             <a:fld id="{49E4927F-ADE1-49CD-A2B9-CD8CCD18392F}" type="datetimeFigureOut">
               <a:rPr lang="en-GB" smtClean="0"/>
-              <a:t>18/02/2025</a:t>
+              <a:t>21/02/2025</a:t>
             </a:fld>
             <a:endParaRPr lang="en-GB"/>
           </a:p>
@@ -2230,7 +2141,7 @@
     </p:spTree>
     <p:extLst>
       <p:ext uri="{BB962C8B-B14F-4D97-AF65-F5344CB8AC3E}">
-        <p14:creationId xmlns:p14="http://schemas.microsoft.com/office/powerpoint/2010/main" val="2462456829"/>
+        <p14:creationId xmlns:p14="http://schemas.microsoft.com/office/powerpoint/2010/main" val="1928398268"/>
       </p:ext>
     </p:extLst>
   </p:cSld>
@@ -2274,7 +2185,7 @@
           <a:p>
             <a:fld id="{49E4927F-ADE1-49CD-A2B9-CD8CCD18392F}" type="datetimeFigureOut">
               <a:rPr lang="en-GB" smtClean="0"/>
-              <a:t>18/02/2025</a:t>
+              <a:t>21/02/2025</a:t>
             </a:fld>
             <a:endParaRPr lang="en-GB"/>
           </a:p>
@@ -2325,7 +2236,7 @@
     </p:spTree>
     <p:extLst>
       <p:ext uri="{BB962C8B-B14F-4D97-AF65-F5344CB8AC3E}">
-        <p14:creationId xmlns:p14="http://schemas.microsoft.com/office/powerpoint/2010/main" val="2172599594"/>
+        <p14:creationId xmlns:p14="http://schemas.microsoft.com/office/powerpoint/2010/main" val="3330390582"/>
       </p:ext>
     </p:extLst>
   </p:cSld>
@@ -2364,15 +2275,15 @@
         </p:nvSpPr>
         <p:spPr>
           <a:xfrm>
-            <a:off x="1041425" y="1425575"/>
-            <a:ext cx="4876384" cy="4989513"/>
+            <a:off x="1472909" y="2018348"/>
+            <a:ext cx="6896776" cy="7064216"/>
           </a:xfrm>
         </p:spPr>
         <p:txBody>
           <a:bodyPr anchor="b"/>
           <a:lstStyle>
             <a:lvl1pPr>
-              <a:defRPr sz="5291"/>
+              <a:defRPr sz="7483"/>
             </a:lvl1pPr>
           </a:lstStyle>
           <a:p>
@@ -2396,39 +2307,39 @@
         </p:nvSpPr>
         <p:spPr>
           <a:xfrm>
-            <a:off x="6427693" y="3078850"/>
-            <a:ext cx="7654171" cy="15196234"/>
+            <a:off x="9090826" y="4359077"/>
+            <a:ext cx="10825460" cy="21515024"/>
           </a:xfrm>
         </p:spPr>
         <p:txBody>
           <a:bodyPr/>
           <a:lstStyle>
             <a:lvl1pPr>
-              <a:defRPr sz="5291"/>
+              <a:defRPr sz="7483"/>
             </a:lvl1pPr>
             <a:lvl2pPr>
-              <a:defRPr sz="4630"/>
+              <a:defRPr sz="6548"/>
             </a:lvl2pPr>
             <a:lvl3pPr>
-              <a:defRPr sz="3968"/>
+              <a:defRPr sz="5612"/>
             </a:lvl3pPr>
             <a:lvl4pPr>
-              <a:defRPr sz="3307"/>
+              <a:defRPr sz="4677"/>
             </a:lvl4pPr>
             <a:lvl5pPr>
-              <a:defRPr sz="3307"/>
+              <a:defRPr sz="4677"/>
             </a:lvl5pPr>
             <a:lvl6pPr>
-              <a:defRPr sz="3307"/>
+              <a:defRPr sz="4677"/>
             </a:lvl6pPr>
             <a:lvl7pPr>
-              <a:defRPr sz="3307"/>
+              <a:defRPr sz="4677"/>
             </a:lvl7pPr>
             <a:lvl8pPr>
-              <a:defRPr sz="3307"/>
+              <a:defRPr sz="4677"/>
             </a:lvl8pPr>
             <a:lvl9pPr>
-              <a:defRPr sz="3307"/>
+              <a:defRPr sz="4677"/>
             </a:lvl9pPr>
           </a:lstStyle>
           <a:p>
@@ -2481,8 +2392,8 @@
         </p:nvSpPr>
         <p:spPr>
           <a:xfrm>
-            <a:off x="1041425" y="6415088"/>
-            <a:ext cx="4876384" cy="11884743"/>
+            <a:off x="1472909" y="9082564"/>
+            <a:ext cx="6896776" cy="16826573"/>
           </a:xfrm>
         </p:spPr>
         <p:txBody>
@@ -2490,39 +2401,39 @@
           <a:lstStyle>
             <a:lvl1pPr marL="0" indent="0">
               <a:buNone/>
-              <a:defRPr sz="2646"/>
+              <a:defRPr sz="3742"/>
             </a:lvl1pPr>
-            <a:lvl2pPr marL="755980" indent="0">
-              <a:buNone/>
-              <a:defRPr sz="2315"/>
+            <a:lvl2pPr marL="1069162" indent="0">
+              <a:buNone/>
+              <a:defRPr sz="3274"/>
             </a:lvl2pPr>
-            <a:lvl3pPr marL="1511960" indent="0">
-              <a:buNone/>
-              <a:defRPr sz="1984"/>
+            <a:lvl3pPr marL="2138324" indent="0">
+              <a:buNone/>
+              <a:defRPr sz="2806"/>
             </a:lvl3pPr>
-            <a:lvl4pPr marL="2267941" indent="0">
-              <a:buNone/>
-              <a:defRPr sz="1654"/>
+            <a:lvl4pPr marL="3207487" indent="0">
+              <a:buNone/>
+              <a:defRPr sz="2339"/>
             </a:lvl4pPr>
-            <a:lvl5pPr marL="3023921" indent="0">
-              <a:buNone/>
-              <a:defRPr sz="1654"/>
+            <a:lvl5pPr marL="4276649" indent="0">
+              <a:buNone/>
+              <a:defRPr sz="2339"/>
             </a:lvl5pPr>
-            <a:lvl6pPr marL="3779901" indent="0">
-              <a:buNone/>
-              <a:defRPr sz="1654"/>
+            <a:lvl6pPr marL="5345811" indent="0">
+              <a:buNone/>
+              <a:defRPr sz="2339"/>
             </a:lvl6pPr>
-            <a:lvl7pPr marL="4535881" indent="0">
-              <a:buNone/>
-              <a:defRPr sz="1654"/>
+            <a:lvl7pPr marL="6414973" indent="0">
+              <a:buNone/>
+              <a:defRPr sz="2339"/>
             </a:lvl7pPr>
-            <a:lvl8pPr marL="5291861" indent="0">
-              <a:buNone/>
-              <a:defRPr sz="1654"/>
+            <a:lvl8pPr marL="7484135" indent="0">
+              <a:buNone/>
+              <a:defRPr sz="2339"/>
             </a:lvl8pPr>
-            <a:lvl9pPr marL="6047842" indent="0">
-              <a:buNone/>
-              <a:defRPr sz="1654"/>
+            <a:lvl9pPr marL="8553298" indent="0">
+              <a:buNone/>
+              <a:defRPr sz="2339"/>
             </a:lvl9pPr>
           </a:lstStyle>
           <a:p>
@@ -2551,7 +2462,7 @@
           <a:p>
             <a:fld id="{49E4927F-ADE1-49CD-A2B9-CD8CCD18392F}" type="datetimeFigureOut">
               <a:rPr lang="en-GB" smtClean="0"/>
-              <a:t>18/02/2025</a:t>
+              <a:t>21/02/2025</a:t>
             </a:fld>
             <a:endParaRPr lang="en-GB"/>
           </a:p>
@@ -2602,7 +2513,7 @@
     </p:spTree>
     <p:extLst>
       <p:ext uri="{BB962C8B-B14F-4D97-AF65-F5344CB8AC3E}">
-        <p14:creationId xmlns:p14="http://schemas.microsoft.com/office/powerpoint/2010/main" val="1993861353"/>
+        <p14:creationId xmlns:p14="http://schemas.microsoft.com/office/powerpoint/2010/main" val="885262993"/>
       </p:ext>
     </p:extLst>
   </p:cSld>
@@ -2641,15 +2552,15 @@
         </p:nvSpPr>
         <p:spPr>
           <a:xfrm>
-            <a:off x="1041425" y="1425575"/>
-            <a:ext cx="4876384" cy="4989513"/>
+            <a:off x="1472909" y="2018348"/>
+            <a:ext cx="6896776" cy="7064216"/>
           </a:xfrm>
         </p:spPr>
         <p:txBody>
           <a:bodyPr anchor="b"/>
           <a:lstStyle>
             <a:lvl1pPr>
-              <a:defRPr sz="5291"/>
+              <a:defRPr sz="7483"/>
             </a:lvl1pPr>
           </a:lstStyle>
           <a:p>
@@ -2673,8 +2584,8 @@
         </p:nvSpPr>
         <p:spPr>
           <a:xfrm>
-            <a:off x="6427693" y="3078850"/>
-            <a:ext cx="7654171" cy="15196234"/>
+            <a:off x="9090826" y="4359077"/>
+            <a:ext cx="10825460" cy="21515024"/>
           </a:xfrm>
         </p:spPr>
         <p:txBody>
@@ -2682,39 +2593,39 @@
           <a:lstStyle>
             <a:lvl1pPr marL="0" indent="0">
               <a:buNone/>
-              <a:defRPr sz="5291"/>
+              <a:defRPr sz="7483"/>
             </a:lvl1pPr>
-            <a:lvl2pPr marL="755980" indent="0">
-              <a:buNone/>
-              <a:defRPr sz="4630"/>
+            <a:lvl2pPr marL="1069162" indent="0">
+              <a:buNone/>
+              <a:defRPr sz="6548"/>
             </a:lvl2pPr>
-            <a:lvl3pPr marL="1511960" indent="0">
-              <a:buNone/>
-              <a:defRPr sz="3968"/>
+            <a:lvl3pPr marL="2138324" indent="0">
+              <a:buNone/>
+              <a:defRPr sz="5612"/>
             </a:lvl3pPr>
-            <a:lvl4pPr marL="2267941" indent="0">
-              <a:buNone/>
-              <a:defRPr sz="3307"/>
+            <a:lvl4pPr marL="3207487" indent="0">
+              <a:buNone/>
+              <a:defRPr sz="4677"/>
             </a:lvl4pPr>
-            <a:lvl5pPr marL="3023921" indent="0">
-              <a:buNone/>
-              <a:defRPr sz="3307"/>
+            <a:lvl5pPr marL="4276649" indent="0">
+              <a:buNone/>
+              <a:defRPr sz="4677"/>
             </a:lvl5pPr>
-            <a:lvl6pPr marL="3779901" indent="0">
-              <a:buNone/>
-              <a:defRPr sz="3307"/>
+            <a:lvl6pPr marL="5345811" indent="0">
+              <a:buNone/>
+              <a:defRPr sz="4677"/>
             </a:lvl6pPr>
-            <a:lvl7pPr marL="4535881" indent="0">
-              <a:buNone/>
-              <a:defRPr sz="3307"/>
+            <a:lvl7pPr marL="6414973" indent="0">
+              <a:buNone/>
+              <a:defRPr sz="4677"/>
             </a:lvl7pPr>
-            <a:lvl8pPr marL="5291861" indent="0">
-              <a:buNone/>
-              <a:defRPr sz="3307"/>
+            <a:lvl8pPr marL="7484135" indent="0">
+              <a:buNone/>
+              <a:defRPr sz="4677"/>
             </a:lvl8pPr>
-            <a:lvl9pPr marL="6047842" indent="0">
-              <a:buNone/>
-              <a:defRPr sz="3307"/>
+            <a:lvl9pPr marL="8553298" indent="0">
+              <a:buNone/>
+              <a:defRPr sz="4677"/>
             </a:lvl9pPr>
           </a:lstStyle>
           <a:p>
@@ -2738,8 +2649,8 @@
         </p:nvSpPr>
         <p:spPr>
           <a:xfrm>
-            <a:off x="1041425" y="6415088"/>
-            <a:ext cx="4876384" cy="11884743"/>
+            <a:off x="1472909" y="9082564"/>
+            <a:ext cx="6896776" cy="16826573"/>
           </a:xfrm>
         </p:spPr>
         <p:txBody>
@@ -2747,39 +2658,39 @@
           <a:lstStyle>
             <a:lvl1pPr marL="0" indent="0">
               <a:buNone/>
-              <a:defRPr sz="2646"/>
+              <a:defRPr sz="3742"/>
             </a:lvl1pPr>
-            <a:lvl2pPr marL="755980" indent="0">
-              <a:buNone/>
-              <a:defRPr sz="2315"/>
+            <a:lvl2pPr marL="1069162" indent="0">
+              <a:buNone/>
+              <a:defRPr sz="3274"/>
             </a:lvl2pPr>
-            <a:lvl3pPr marL="1511960" indent="0">
-              <a:buNone/>
-              <a:defRPr sz="1984"/>
+            <a:lvl3pPr marL="2138324" indent="0">
+              <a:buNone/>
+              <a:defRPr sz="2806"/>
             </a:lvl3pPr>
-            <a:lvl4pPr marL="2267941" indent="0">
-              <a:buNone/>
-              <a:defRPr sz="1654"/>
+            <a:lvl4pPr marL="3207487" indent="0">
+              <a:buNone/>
+              <a:defRPr sz="2339"/>
             </a:lvl4pPr>
-            <a:lvl5pPr marL="3023921" indent="0">
-              <a:buNone/>
-              <a:defRPr sz="1654"/>
+            <a:lvl5pPr marL="4276649" indent="0">
+              <a:buNone/>
+              <a:defRPr sz="2339"/>
             </a:lvl5pPr>
-            <a:lvl6pPr marL="3779901" indent="0">
-              <a:buNone/>
-              <a:defRPr sz="1654"/>
+            <a:lvl6pPr marL="5345811" indent="0">
+              <a:buNone/>
+              <a:defRPr sz="2339"/>
             </a:lvl6pPr>
-            <a:lvl7pPr marL="4535881" indent="0">
-              <a:buNone/>
-              <a:defRPr sz="1654"/>
+            <a:lvl7pPr marL="6414973" indent="0">
+              <a:buNone/>
+              <a:defRPr sz="2339"/>
             </a:lvl7pPr>
-            <a:lvl8pPr marL="5291861" indent="0">
-              <a:buNone/>
-              <a:defRPr sz="1654"/>
+            <a:lvl8pPr marL="7484135" indent="0">
+              <a:buNone/>
+              <a:defRPr sz="2339"/>
             </a:lvl8pPr>
-            <a:lvl9pPr marL="6047842" indent="0">
-              <a:buNone/>
-              <a:defRPr sz="1654"/>
+            <a:lvl9pPr marL="8553298" indent="0">
+              <a:buNone/>
+              <a:defRPr sz="2339"/>
             </a:lvl9pPr>
           </a:lstStyle>
           <a:p>
@@ -2808,7 +2719,7 @@
           <a:p>
             <a:fld id="{49E4927F-ADE1-49CD-A2B9-CD8CCD18392F}" type="datetimeFigureOut">
               <a:rPr lang="en-GB" smtClean="0"/>
-              <a:t>18/02/2025</a:t>
+              <a:t>21/02/2025</a:t>
             </a:fld>
             <a:endParaRPr lang="en-GB"/>
           </a:p>
@@ -2859,7 +2770,7 @@
     </p:spTree>
     <p:extLst>
       <p:ext uri="{BB962C8B-B14F-4D97-AF65-F5344CB8AC3E}">
-        <p14:creationId xmlns:p14="http://schemas.microsoft.com/office/powerpoint/2010/main" val="190311137"/>
+        <p14:creationId xmlns:p14="http://schemas.microsoft.com/office/powerpoint/2010/main" val="793354271"/>
       </p:ext>
     </p:extLst>
   </p:cSld>
@@ -2903,8 +2814,8 @@
         </p:nvSpPr>
         <p:spPr>
           <a:xfrm>
-            <a:off x="1039456" y="1138485"/>
-            <a:ext cx="13040439" cy="4133179"/>
+            <a:off x="1470124" y="1611882"/>
+            <a:ext cx="18443377" cy="5851808"/>
           </a:xfrm>
           <a:prstGeom prst="rect">
             <a:avLst/>
@@ -2936,8 +2847,8 @@
         </p:nvSpPr>
         <p:spPr>
           <a:xfrm>
-            <a:off x="1039456" y="5692400"/>
-            <a:ext cx="13040439" cy="13567714"/>
+            <a:off x="1470124" y="8059374"/>
+            <a:ext cx="18443377" cy="19209345"/>
           </a:xfrm>
           <a:prstGeom prst="rect">
             <a:avLst/>
@@ -2998,8 +2909,8 @@
         </p:nvSpPr>
         <p:spPr>
           <a:xfrm>
-            <a:off x="1039455" y="19819457"/>
-            <a:ext cx="3401854" cy="1138480"/>
+            <a:off x="1470124" y="28060644"/>
+            <a:ext cx="4811316" cy="1611875"/>
           </a:xfrm>
           <a:prstGeom prst="rect">
             <a:avLst/>
@@ -3009,7 +2920,7 @@
           <a:bodyPr vert="horz" lIns="91440" tIns="45720" rIns="91440" bIns="45720" rtlCol="0" anchor="ctr"/>
           <a:lstStyle>
             <a:lvl1pPr algn="l">
-              <a:defRPr sz="1984">
+              <a:defRPr sz="2806">
                 <a:solidFill>
                   <a:schemeClr val="tx1">
                     <a:tint val="82000"/>
@@ -3021,7 +2932,7 @@
           <a:p>
             <a:fld id="{49E4927F-ADE1-49CD-A2B9-CD8CCD18392F}" type="datetimeFigureOut">
               <a:rPr lang="en-GB" smtClean="0"/>
-              <a:t>18/02/2025</a:t>
+              <a:t>21/02/2025</a:t>
             </a:fld>
             <a:endParaRPr lang="en-GB"/>
           </a:p>
@@ -3039,8 +2950,8 @@
         </p:nvSpPr>
         <p:spPr>
           <a:xfrm>
-            <a:off x="5008285" y="19819457"/>
-            <a:ext cx="5102781" cy="1138480"/>
+            <a:off x="7083326" y="28060644"/>
+            <a:ext cx="7216973" cy="1611875"/>
           </a:xfrm>
           <a:prstGeom prst="rect">
             <a:avLst/>
@@ -3050,7 +2961,7 @@
           <a:bodyPr vert="horz" lIns="91440" tIns="45720" rIns="91440" bIns="45720" rtlCol="0" anchor="ctr"/>
           <a:lstStyle>
             <a:lvl1pPr algn="ctr">
-              <a:defRPr sz="1984">
+              <a:defRPr sz="2806">
                 <a:solidFill>
                   <a:schemeClr val="tx1">
                     <a:tint val="82000"/>
@@ -3076,8 +2987,8 @@
         </p:nvSpPr>
         <p:spPr>
           <a:xfrm>
-            <a:off x="10678041" y="19819457"/>
-            <a:ext cx="3401854" cy="1138480"/>
+            <a:off x="15102185" y="28060644"/>
+            <a:ext cx="4811316" cy="1611875"/>
           </a:xfrm>
           <a:prstGeom prst="rect">
             <a:avLst/>
@@ -3087,7 +2998,7 @@
           <a:bodyPr vert="horz" lIns="91440" tIns="45720" rIns="91440" bIns="45720" rtlCol="0" anchor="ctr"/>
           <a:lstStyle>
             <a:lvl1pPr algn="r">
-              <a:defRPr sz="1984">
+              <a:defRPr sz="2806">
                 <a:solidFill>
                   <a:schemeClr val="tx1">
                     <a:tint val="82000"/>
@@ -3108,27 +3019,27 @@
     </p:spTree>
     <p:extLst>
       <p:ext uri="{BB962C8B-B14F-4D97-AF65-F5344CB8AC3E}">
-        <p14:creationId xmlns:p14="http://schemas.microsoft.com/office/powerpoint/2010/main" val="1774674371"/>
+        <p14:creationId xmlns:p14="http://schemas.microsoft.com/office/powerpoint/2010/main" val="3780846095"/>
       </p:ext>
     </p:extLst>
   </p:cSld>
   <p:clrMap bg1="lt1" tx1="dk1" bg2="lt2" tx2="dk2" accent1="accent1" accent2="accent2" accent3="accent3" accent4="accent4" accent5="accent5" accent6="accent6" hlink="hlink" folHlink="folHlink"/>
   <p:sldLayoutIdLst>
-    <p:sldLayoutId id="2147483697" r:id="rId1"/>
-    <p:sldLayoutId id="2147483698" r:id="rId2"/>
-    <p:sldLayoutId id="2147483699" r:id="rId3"/>
-    <p:sldLayoutId id="2147483700" r:id="rId4"/>
-    <p:sldLayoutId id="2147483701" r:id="rId5"/>
-    <p:sldLayoutId id="2147483702" r:id="rId6"/>
-    <p:sldLayoutId id="2147483703" r:id="rId7"/>
-    <p:sldLayoutId id="2147483704" r:id="rId8"/>
-    <p:sldLayoutId id="2147483705" r:id="rId9"/>
-    <p:sldLayoutId id="2147483706" r:id="rId10"/>
-    <p:sldLayoutId id="2147483707" r:id="rId11"/>
+    <p:sldLayoutId id="2147483709" r:id="rId1"/>
+    <p:sldLayoutId id="2147483710" r:id="rId2"/>
+    <p:sldLayoutId id="2147483711" r:id="rId3"/>
+    <p:sldLayoutId id="2147483712" r:id="rId4"/>
+    <p:sldLayoutId id="2147483713" r:id="rId5"/>
+    <p:sldLayoutId id="2147483714" r:id="rId6"/>
+    <p:sldLayoutId id="2147483715" r:id="rId7"/>
+    <p:sldLayoutId id="2147483716" r:id="rId8"/>
+    <p:sldLayoutId id="2147483717" r:id="rId9"/>
+    <p:sldLayoutId id="2147483718" r:id="rId10"/>
+    <p:sldLayoutId id="2147483719" r:id="rId11"/>
   </p:sldLayoutIdLst>
   <p:txStyles>
     <p:titleStyle>
-      <a:lvl1pPr algn="l" defTabSz="1511960" rtl="0" eaLnBrk="1" latinLnBrk="0" hangingPunct="1">
+      <a:lvl1pPr algn="l" defTabSz="2138324" rtl="0" eaLnBrk="1" latinLnBrk="0" hangingPunct="1">
         <a:lnSpc>
           <a:spcPct val="90000"/>
         </a:lnSpc>
@@ -3136,7 +3047,7 @@
           <a:spcPct val="0"/>
         </a:spcBef>
         <a:buNone/>
-        <a:defRPr sz="7275" kern="1200">
+        <a:defRPr sz="10289" kern="1200">
           <a:solidFill>
             <a:schemeClr val="tx1"/>
           </a:solidFill>
@@ -3147,16 +3058,16 @@
       </a:lvl1pPr>
     </p:titleStyle>
     <p:bodyStyle>
-      <a:lvl1pPr marL="377990" indent="-377990" algn="l" defTabSz="1511960" rtl="0" eaLnBrk="1" latinLnBrk="0" hangingPunct="1">
+      <a:lvl1pPr marL="534581" indent="-534581" algn="l" defTabSz="2138324" rtl="0" eaLnBrk="1" latinLnBrk="0" hangingPunct="1">
         <a:lnSpc>
           <a:spcPct val="90000"/>
         </a:lnSpc>
         <a:spcBef>
-          <a:spcPts val="1654"/>
+          <a:spcPts val="2339"/>
         </a:spcBef>
         <a:buFont typeface="Arial" panose="020B0604020202020204" pitchFamily="34" charset="0"/>
         <a:buChar char="•"/>
-        <a:defRPr sz="4630" kern="1200">
+        <a:defRPr sz="6548" kern="1200">
           <a:solidFill>
             <a:schemeClr val="tx1"/>
           </a:solidFill>
@@ -3165,16 +3076,16 @@
           <a:cs typeface="+mn-cs"/>
         </a:defRPr>
       </a:lvl1pPr>
-      <a:lvl2pPr marL="1133970" indent="-377990" algn="l" defTabSz="1511960" rtl="0" eaLnBrk="1" latinLnBrk="0" hangingPunct="1">
+      <a:lvl2pPr marL="1603743" indent="-534581" algn="l" defTabSz="2138324" rtl="0" eaLnBrk="1" latinLnBrk="0" hangingPunct="1">
         <a:lnSpc>
           <a:spcPct val="90000"/>
         </a:lnSpc>
         <a:spcBef>
-          <a:spcPts val="827"/>
+          <a:spcPts val="1169"/>
         </a:spcBef>
         <a:buFont typeface="Arial" panose="020B0604020202020204" pitchFamily="34" charset="0"/>
         <a:buChar char="•"/>
-        <a:defRPr sz="3968" kern="1200">
+        <a:defRPr sz="5612" kern="1200">
           <a:solidFill>
             <a:schemeClr val="tx1"/>
           </a:solidFill>
@@ -3183,16 +3094,16 @@
           <a:cs typeface="+mn-cs"/>
         </a:defRPr>
       </a:lvl2pPr>
-      <a:lvl3pPr marL="1889951" indent="-377990" algn="l" defTabSz="1511960" rtl="0" eaLnBrk="1" latinLnBrk="0" hangingPunct="1">
+      <a:lvl3pPr marL="2672906" indent="-534581" algn="l" defTabSz="2138324" rtl="0" eaLnBrk="1" latinLnBrk="0" hangingPunct="1">
         <a:lnSpc>
           <a:spcPct val="90000"/>
         </a:lnSpc>
         <a:spcBef>
-          <a:spcPts val="827"/>
+          <a:spcPts val="1169"/>
         </a:spcBef>
         <a:buFont typeface="Arial" panose="020B0604020202020204" pitchFamily="34" charset="0"/>
         <a:buChar char="•"/>
-        <a:defRPr sz="3307" kern="1200">
+        <a:defRPr sz="4677" kern="1200">
           <a:solidFill>
             <a:schemeClr val="tx1"/>
           </a:solidFill>
@@ -3201,16 +3112,16 @@
           <a:cs typeface="+mn-cs"/>
         </a:defRPr>
       </a:lvl3pPr>
-      <a:lvl4pPr marL="2645931" indent="-377990" algn="l" defTabSz="1511960" rtl="0" eaLnBrk="1" latinLnBrk="0" hangingPunct="1">
+      <a:lvl4pPr marL="3742068" indent="-534581" algn="l" defTabSz="2138324" rtl="0" eaLnBrk="1" latinLnBrk="0" hangingPunct="1">
         <a:lnSpc>
           <a:spcPct val="90000"/>
         </a:lnSpc>
         <a:spcBef>
-          <a:spcPts val="827"/>
+          <a:spcPts val="1169"/>
         </a:spcBef>
         <a:buFont typeface="Arial" panose="020B0604020202020204" pitchFamily="34" charset="0"/>
         <a:buChar char="•"/>
-        <a:defRPr sz="2976" kern="1200">
+        <a:defRPr sz="4209" kern="1200">
           <a:solidFill>
             <a:schemeClr val="tx1"/>
           </a:solidFill>
@@ -3219,16 +3130,16 @@
           <a:cs typeface="+mn-cs"/>
         </a:defRPr>
       </a:lvl4pPr>
-      <a:lvl5pPr marL="3401911" indent="-377990" algn="l" defTabSz="1511960" rtl="0" eaLnBrk="1" latinLnBrk="0" hangingPunct="1">
+      <a:lvl5pPr marL="4811230" indent="-534581" algn="l" defTabSz="2138324" rtl="0" eaLnBrk="1" latinLnBrk="0" hangingPunct="1">
         <a:lnSpc>
           <a:spcPct val="90000"/>
         </a:lnSpc>
         <a:spcBef>
-          <a:spcPts val="827"/>
+          <a:spcPts val="1169"/>
         </a:spcBef>
         <a:buFont typeface="Arial" panose="020B0604020202020204" pitchFamily="34" charset="0"/>
         <a:buChar char="•"/>
-        <a:defRPr sz="2976" kern="1200">
+        <a:defRPr sz="4209" kern="1200">
           <a:solidFill>
             <a:schemeClr val="tx1"/>
           </a:solidFill>
@@ -3237,16 +3148,16 @@
           <a:cs typeface="+mn-cs"/>
         </a:defRPr>
       </a:lvl5pPr>
-      <a:lvl6pPr marL="4157891" indent="-377990" algn="l" defTabSz="1511960" rtl="0" eaLnBrk="1" latinLnBrk="0" hangingPunct="1">
+      <a:lvl6pPr marL="5880392" indent="-534581" algn="l" defTabSz="2138324" rtl="0" eaLnBrk="1" latinLnBrk="0" hangingPunct="1">
         <a:lnSpc>
           <a:spcPct val="90000"/>
         </a:lnSpc>
         <a:spcBef>
-          <a:spcPts val="827"/>
+          <a:spcPts val="1169"/>
         </a:spcBef>
         <a:buFont typeface="Arial" panose="020B0604020202020204" pitchFamily="34" charset="0"/>
         <a:buChar char="•"/>
-        <a:defRPr sz="2976" kern="1200">
+        <a:defRPr sz="4209" kern="1200">
           <a:solidFill>
             <a:schemeClr val="tx1"/>
           </a:solidFill>
@@ -3255,16 +3166,16 @@
           <a:cs typeface="+mn-cs"/>
         </a:defRPr>
       </a:lvl6pPr>
-      <a:lvl7pPr marL="4913871" indent="-377990" algn="l" defTabSz="1511960" rtl="0" eaLnBrk="1" latinLnBrk="0" hangingPunct="1">
+      <a:lvl7pPr marL="6949554" indent="-534581" algn="l" defTabSz="2138324" rtl="0" eaLnBrk="1" latinLnBrk="0" hangingPunct="1">
         <a:lnSpc>
           <a:spcPct val="90000"/>
         </a:lnSpc>
         <a:spcBef>
-          <a:spcPts val="827"/>
+          <a:spcPts val="1169"/>
         </a:spcBef>
         <a:buFont typeface="Arial" panose="020B0604020202020204" pitchFamily="34" charset="0"/>
         <a:buChar char="•"/>
-        <a:defRPr sz="2976" kern="1200">
+        <a:defRPr sz="4209" kern="1200">
           <a:solidFill>
             <a:schemeClr val="tx1"/>
           </a:solidFill>
@@ -3273,16 +3184,16 @@
           <a:cs typeface="+mn-cs"/>
         </a:defRPr>
       </a:lvl7pPr>
-      <a:lvl8pPr marL="5669852" indent="-377990" algn="l" defTabSz="1511960" rtl="0" eaLnBrk="1" latinLnBrk="0" hangingPunct="1">
+      <a:lvl8pPr marL="8018717" indent="-534581" algn="l" defTabSz="2138324" rtl="0" eaLnBrk="1" latinLnBrk="0" hangingPunct="1">
         <a:lnSpc>
           <a:spcPct val="90000"/>
         </a:lnSpc>
         <a:spcBef>
-          <a:spcPts val="827"/>
+          <a:spcPts val="1169"/>
         </a:spcBef>
         <a:buFont typeface="Arial" panose="020B0604020202020204" pitchFamily="34" charset="0"/>
         <a:buChar char="•"/>
-        <a:defRPr sz="2976" kern="1200">
+        <a:defRPr sz="4209" kern="1200">
           <a:solidFill>
             <a:schemeClr val="tx1"/>
           </a:solidFill>
@@ -3291,16 +3202,16 @@
           <a:cs typeface="+mn-cs"/>
         </a:defRPr>
       </a:lvl8pPr>
-      <a:lvl9pPr marL="6425832" indent="-377990" algn="l" defTabSz="1511960" rtl="0" eaLnBrk="1" latinLnBrk="0" hangingPunct="1">
+      <a:lvl9pPr marL="9087879" indent="-534581" algn="l" defTabSz="2138324" rtl="0" eaLnBrk="1" latinLnBrk="0" hangingPunct="1">
         <a:lnSpc>
           <a:spcPct val="90000"/>
         </a:lnSpc>
         <a:spcBef>
-          <a:spcPts val="827"/>
+          <a:spcPts val="1169"/>
         </a:spcBef>
         <a:buFont typeface="Arial" panose="020B0604020202020204" pitchFamily="34" charset="0"/>
         <a:buChar char="•"/>
-        <a:defRPr sz="2976" kern="1200">
+        <a:defRPr sz="4209" kern="1200">
           <a:solidFill>
             <a:schemeClr val="tx1"/>
           </a:solidFill>
@@ -3314,8 +3225,8 @@
       <a:defPPr>
         <a:defRPr lang="en-US"/>
       </a:defPPr>
-      <a:lvl1pPr marL="0" algn="l" defTabSz="1511960" rtl="0" eaLnBrk="1" latinLnBrk="0" hangingPunct="1">
-        <a:defRPr sz="2976" kern="1200">
+      <a:lvl1pPr marL="0" algn="l" defTabSz="2138324" rtl="0" eaLnBrk="1" latinLnBrk="0" hangingPunct="1">
+        <a:defRPr sz="4209" kern="1200">
           <a:solidFill>
             <a:schemeClr val="tx1"/>
           </a:solidFill>
@@ -3324,8 +3235,8 @@
           <a:cs typeface="+mn-cs"/>
         </a:defRPr>
       </a:lvl1pPr>
-      <a:lvl2pPr marL="755980" algn="l" defTabSz="1511960" rtl="0" eaLnBrk="1" latinLnBrk="0" hangingPunct="1">
-        <a:defRPr sz="2976" kern="1200">
+      <a:lvl2pPr marL="1069162" algn="l" defTabSz="2138324" rtl="0" eaLnBrk="1" latinLnBrk="0" hangingPunct="1">
+        <a:defRPr sz="4209" kern="1200">
           <a:solidFill>
             <a:schemeClr val="tx1"/>
           </a:solidFill>
@@ -3334,8 +3245,8 @@
           <a:cs typeface="+mn-cs"/>
         </a:defRPr>
       </a:lvl2pPr>
-      <a:lvl3pPr marL="1511960" algn="l" defTabSz="1511960" rtl="0" eaLnBrk="1" latinLnBrk="0" hangingPunct="1">
-        <a:defRPr sz="2976" kern="1200">
+      <a:lvl3pPr marL="2138324" algn="l" defTabSz="2138324" rtl="0" eaLnBrk="1" latinLnBrk="0" hangingPunct="1">
+        <a:defRPr sz="4209" kern="1200">
           <a:solidFill>
             <a:schemeClr val="tx1"/>
           </a:solidFill>
@@ -3344,8 +3255,8 @@
           <a:cs typeface="+mn-cs"/>
         </a:defRPr>
       </a:lvl3pPr>
-      <a:lvl4pPr marL="2267941" algn="l" defTabSz="1511960" rtl="0" eaLnBrk="1" latinLnBrk="0" hangingPunct="1">
-        <a:defRPr sz="2976" kern="1200">
+      <a:lvl4pPr marL="3207487" algn="l" defTabSz="2138324" rtl="0" eaLnBrk="1" latinLnBrk="0" hangingPunct="1">
+        <a:defRPr sz="4209" kern="1200">
           <a:solidFill>
             <a:schemeClr val="tx1"/>
           </a:solidFill>
@@ -3354,8 +3265,8 @@
           <a:cs typeface="+mn-cs"/>
         </a:defRPr>
       </a:lvl4pPr>
-      <a:lvl5pPr marL="3023921" algn="l" defTabSz="1511960" rtl="0" eaLnBrk="1" latinLnBrk="0" hangingPunct="1">
-        <a:defRPr sz="2976" kern="1200">
+      <a:lvl5pPr marL="4276649" algn="l" defTabSz="2138324" rtl="0" eaLnBrk="1" latinLnBrk="0" hangingPunct="1">
+        <a:defRPr sz="4209" kern="1200">
           <a:solidFill>
             <a:schemeClr val="tx1"/>
           </a:solidFill>
@@ -3364,8 +3275,8 @@
           <a:cs typeface="+mn-cs"/>
         </a:defRPr>
       </a:lvl5pPr>
-      <a:lvl6pPr marL="3779901" algn="l" defTabSz="1511960" rtl="0" eaLnBrk="1" latinLnBrk="0" hangingPunct="1">
-        <a:defRPr sz="2976" kern="1200">
+      <a:lvl6pPr marL="5345811" algn="l" defTabSz="2138324" rtl="0" eaLnBrk="1" latinLnBrk="0" hangingPunct="1">
+        <a:defRPr sz="4209" kern="1200">
           <a:solidFill>
             <a:schemeClr val="tx1"/>
           </a:solidFill>
@@ -3374,8 +3285,8 @@
           <a:cs typeface="+mn-cs"/>
         </a:defRPr>
       </a:lvl6pPr>
-      <a:lvl7pPr marL="4535881" algn="l" defTabSz="1511960" rtl="0" eaLnBrk="1" latinLnBrk="0" hangingPunct="1">
-        <a:defRPr sz="2976" kern="1200">
+      <a:lvl7pPr marL="6414973" algn="l" defTabSz="2138324" rtl="0" eaLnBrk="1" latinLnBrk="0" hangingPunct="1">
+        <a:defRPr sz="4209" kern="1200">
           <a:solidFill>
             <a:schemeClr val="tx1"/>
           </a:solidFill>
@@ -3384,8 +3295,8 @@
           <a:cs typeface="+mn-cs"/>
         </a:defRPr>
       </a:lvl7pPr>
-      <a:lvl8pPr marL="5291861" algn="l" defTabSz="1511960" rtl="0" eaLnBrk="1" latinLnBrk="0" hangingPunct="1">
-        <a:defRPr sz="2976" kern="1200">
+      <a:lvl8pPr marL="7484135" algn="l" defTabSz="2138324" rtl="0" eaLnBrk="1" latinLnBrk="0" hangingPunct="1">
+        <a:defRPr sz="4209" kern="1200">
           <a:solidFill>
             <a:schemeClr val="tx1"/>
           </a:solidFill>
@@ -3394,8 +3305,8 @@
           <a:cs typeface="+mn-cs"/>
         </a:defRPr>
       </a:lvl8pPr>
-      <a:lvl9pPr marL="6047842" algn="l" defTabSz="1511960" rtl="0" eaLnBrk="1" latinLnBrk="0" hangingPunct="1">
-        <a:defRPr sz="2976" kern="1200">
+      <a:lvl9pPr marL="8553298" algn="l" defTabSz="2138324" rtl="0" eaLnBrk="1" latinLnBrk="0" hangingPunct="1">
+        <a:defRPr sz="4209" kern="1200">
           <a:solidFill>
             <a:schemeClr val="tx1"/>
           </a:solidFill>
@@ -3428,20 +3339,122 @@
       </p:grpSpPr>
       <p:sp>
         <p:nvSpPr>
-          <p:cNvPr id="5" name="Rectangle 4">
+          <p:cNvPr id="18" name="TextBox 17">
             <a:extLst>
               <a:ext uri="{FF2B5EF4-FFF2-40B4-BE49-F238E27FC236}">
-                <a16:creationId xmlns:a16="http://schemas.microsoft.com/office/drawing/2014/main" id="{4F206EED-8C76-96AF-AF3A-AC636F1EDF73}"/>
+                <a16:creationId xmlns:a16="http://schemas.microsoft.com/office/drawing/2014/main" id="{88DC8A7D-819D-76B3-94C9-45ACD7A400DD}"/>
               </a:ext>
             </a:extLst>
           </p:cNvPr>
-          <p:cNvSpPr/>
+          <p:cNvSpPr txBox="1"/>
           <p:nvPr/>
         </p:nvSpPr>
         <p:spPr>
           <a:xfrm>
-            <a:off x="412750" y="1502722"/>
-            <a:ext cx="8197850" cy="3856678"/>
+            <a:off x="-76206" y="294099"/>
+            <a:ext cx="21383625" cy="1938992"/>
+          </a:xfrm>
+          <a:prstGeom prst="rect">
+            <a:avLst/>
+          </a:prstGeom>
+          <a:noFill/>
+        </p:spPr>
+        <p:txBody>
+          <a:bodyPr wrap="square" rtlCol="0">
+            <a:spAutoFit/>
+          </a:bodyPr>
+          <a:lstStyle/>
+          <a:p>
+            <a:pPr algn="ctr"/>
+            <a:r>
+              <a:rPr lang="en-GB" sz="6000" dirty="0">
+                <a:latin typeface="Times New Roman" panose="02020603050405020304" pitchFamily="18" charset="0"/>
+                <a:cs typeface="Times New Roman" panose="02020603050405020304" pitchFamily="18" charset="0"/>
+              </a:rPr>
+              <a:t>Diabetes prediction using Machine Learning and Explainable AI Techniques</a:t>
+            </a:r>
+          </a:p>
+        </p:txBody>
+      </p:sp>
+      <p:sp>
+        <p:nvSpPr>
+          <p:cNvPr id="4" name="TextBox 3">
+            <a:extLst>
+              <a:ext uri="{FF2B5EF4-FFF2-40B4-BE49-F238E27FC236}">
+                <a16:creationId xmlns:a16="http://schemas.microsoft.com/office/drawing/2014/main" id="{B2F0981B-DBB4-9CD1-9920-6FD2D499F99C}"/>
+              </a:ext>
+            </a:extLst>
+          </p:cNvPr>
+          <p:cNvSpPr txBox="1"/>
+          <p:nvPr/>
+        </p:nvSpPr>
+        <p:spPr>
+          <a:xfrm>
+            <a:off x="428629" y="2011496"/>
+            <a:ext cx="20450159" cy="1323439"/>
+          </a:xfrm>
+          <a:prstGeom prst="rect">
+            <a:avLst/>
+          </a:prstGeom>
+          <a:noFill/>
+        </p:spPr>
+        <p:txBody>
+          <a:bodyPr wrap="square" numCol="2" rtlCol="0">
+            <a:spAutoFit/>
+          </a:bodyPr>
+          <a:lstStyle/>
+          <a:p>
+            <a:pPr lvl="1" algn="ctr"/>
+            <a:r>
+              <a:rPr lang="en-GB" sz="4000" dirty="0">
+                <a:latin typeface="Times New Roman" panose="02020603050405020304" pitchFamily="18" charset="0"/>
+                <a:cs typeface="Times New Roman" panose="02020603050405020304" pitchFamily="18" charset="0"/>
+              </a:rPr>
+              <a:t>Student: Tayyeba Sadaq – 100611584 </a:t>
+            </a:r>
+          </a:p>
+          <a:p>
+            <a:pPr lvl="1" algn="ctr"/>
+            <a:endParaRPr lang="en-GB" sz="4000" dirty="0">
+              <a:latin typeface="Times New Roman" panose="02020603050405020304" pitchFamily="18" charset="0"/>
+              <a:cs typeface="Times New Roman" panose="02020603050405020304" pitchFamily="18" charset="0"/>
+            </a:endParaRPr>
+          </a:p>
+          <a:p>
+            <a:pPr lvl="1" algn="ctr"/>
+            <a:r>
+              <a:rPr lang="en-GB" sz="4000" dirty="0">
+                <a:latin typeface="Times New Roman" panose="02020603050405020304" pitchFamily="18" charset="0"/>
+                <a:cs typeface="Times New Roman" panose="02020603050405020304" pitchFamily="18" charset="0"/>
+              </a:rPr>
+              <a:t>Supervisor: Oluwarotimi Samuel</a:t>
+            </a:r>
+          </a:p>
+          <a:p>
+            <a:pPr algn="ctr"/>
+            <a:endParaRPr lang="en-GB" sz="4000" dirty="0">
+              <a:latin typeface="Times New Roman" panose="02020603050405020304" pitchFamily="18" charset="0"/>
+              <a:cs typeface="Times New Roman" panose="02020603050405020304" pitchFamily="18" charset="0"/>
+            </a:endParaRPr>
+          </a:p>
+        </p:txBody>
+      </p:sp>
+      <p:sp>
+        <p:nvSpPr>
+          <p:cNvPr id="6" name="TextBox 5">
+            <a:extLst>
+              <a:ext uri="{FF2B5EF4-FFF2-40B4-BE49-F238E27FC236}">
+                <a16:creationId xmlns:a16="http://schemas.microsoft.com/office/drawing/2014/main" id="{D1F3B781-CE7C-FA92-2E59-E2DDBA7029BF}"/>
+              </a:ext>
+            </a:extLst>
+          </p:cNvPr>
+          <p:cNvSpPr txBox="1"/>
+          <p:nvPr/>
+        </p:nvSpPr>
+        <p:spPr>
+          <a:xfrm>
+            <a:off x="428629" y="2752255"/>
+            <a:ext cx="20526364" cy="4401205"/>
           </a:xfrm>
           <a:prstGeom prst="rect">
             <a:avLst/>
@@ -3462,12 +3475,14 @@
           </a:fontRef>
         </p:style>
         <p:txBody>
-          <a:bodyPr rtlCol="0" anchor="t"/>
+          <a:bodyPr wrap="square">
+            <a:spAutoFit/>
+          </a:bodyPr>
           <a:lstStyle/>
           <a:p>
             <a:pPr algn="ctr"/>
             <a:r>
-              <a:rPr lang="en-GB" sz="2000" b="1" u="sng" dirty="0">
+              <a:rPr lang="en-GB" sz="4000" b="1" u="sng" dirty="0">
                 <a:latin typeface="Times New Roman" panose="02020603050405020304" pitchFamily="18" charset="0"/>
                 <a:cs typeface="Times New Roman" panose="02020603050405020304" pitchFamily="18" charset="0"/>
               </a:rPr>
@@ -3475,79 +3490,37 @@
             </a:r>
           </a:p>
           <a:p>
-            <a:r>
-              <a:rPr lang="en-US" dirty="0">
+            <a:pPr algn="just"/>
+            <a:r>
+              <a:rPr lang="en-US" sz="4000" dirty="0">
                 <a:latin typeface="Times New Roman" panose="02020603050405020304" pitchFamily="18" charset="0"/>
                 <a:cs typeface="Times New Roman" panose="02020603050405020304" pitchFamily="18" charset="0"/>
               </a:rPr>
-              <a:t>The World Health </a:t>
-            </a:r>
-            <a:r>
-              <a:rPr lang="en-US" dirty="0" err="1">
-                <a:latin typeface="Times New Roman" panose="02020603050405020304" pitchFamily="18" charset="0"/>
-                <a:cs typeface="Times New Roman" panose="02020603050405020304" pitchFamily="18" charset="0"/>
-              </a:rPr>
-              <a:t>Organisation</a:t>
-            </a:r>
-            <a:r>
-              <a:rPr lang="en-US" dirty="0">
-                <a:latin typeface="Times New Roman" panose="02020603050405020304" pitchFamily="18" charset="0"/>
-                <a:cs typeface="Times New Roman" panose="02020603050405020304" pitchFamily="18" charset="0"/>
-              </a:rPr>
-              <a:t> defines diabetes as a chronic disease where the pancreas produces insufficient insulin or the body cannot use it effectively, leading to serious health complications. [1] In 2023, the National Diabetes Audit reported 3,615,330 GP-registered cases of pre-diabetes (</a:t>
-            </a:r>
-            <a:r>
-              <a:rPr lang="en-US" dirty="0" err="1">
-                <a:latin typeface="Times New Roman" panose="02020603050405020304" pitchFamily="18" charset="0"/>
-                <a:cs typeface="Times New Roman" panose="02020603050405020304" pitchFamily="18" charset="0"/>
-              </a:rPr>
-              <a:t>hyperglycaemia</a:t>
-            </a:r>
-            <a:r>
-              <a:rPr lang="en-US" dirty="0">
-                <a:latin typeface="Times New Roman" panose="02020603050405020304" pitchFamily="18" charset="0"/>
-                <a:cs typeface="Times New Roman" panose="02020603050405020304" pitchFamily="18" charset="0"/>
-              </a:rPr>
-              <a:t>), an 18% increase from 2022. [2]</a:t>
-            </a:r>
-          </a:p>
-          <a:p>
-            <a:endParaRPr lang="en-US" dirty="0">
+              <a:t>Diabetes is a chronic disease affecting insulin production and use, leading to severe health risks. In 2023, the National Diabetes Audit reported 3.6M UK pre-diabetes cases, an 18% rise from 2022.This research integrates Explainable AI (XAI) with machine learning (ML) for diabetes prediction, comparing Random Forest, Logistic Regression, and Gradient Boosting models with LIME for interpretability. A real-time toggle feature enhances user interaction. Findings aim to improve trust in AI-driven healthcare with accurate and explainable predictions.</a:t>
+            </a:r>
+            <a:endParaRPr lang="en-GB" sz="4000" b="1" u="sng" dirty="0">
               <a:latin typeface="Times New Roman" panose="02020603050405020304" pitchFamily="18" charset="0"/>
               <a:cs typeface="Times New Roman" panose="02020603050405020304" pitchFamily="18" charset="0"/>
             </a:endParaRPr>
           </a:p>
-          <a:p>
-            <a:r>
-              <a:rPr lang="en-US" dirty="0">
-                <a:latin typeface="Times New Roman" panose="02020603050405020304" pitchFamily="18" charset="0"/>
-                <a:cs typeface="Times New Roman" panose="02020603050405020304" pitchFamily="18" charset="0"/>
-              </a:rPr>
-              <a:t>This research integrates Explainable AI (XAI) with machine learning (ML) to enhance diabetes prediction. It evaluates Random Forest, Logistic Regression, and Gradient Boosting Machine (GBM) models using LIME for interpretability. A real-time toggle feature improves accessibility, allowing users to interact with model explanations dynamically. Findings will identify the most effective ML-XAI approach for accurate, interpretable, and actionable predictions, enhancing trust in AI-driven healthcare.</a:t>
-            </a:r>
-            <a:endParaRPr lang="en-GB" b="1" u="sng" dirty="0">
-              <a:latin typeface="Times New Roman" panose="02020603050405020304" pitchFamily="18" charset="0"/>
-              <a:cs typeface="Times New Roman" panose="02020603050405020304" pitchFamily="18" charset="0"/>
-            </a:endParaRPr>
-          </a:p>
-        </p:txBody>
-      </p:sp>
-      <p:sp>
-        <p:nvSpPr>
-          <p:cNvPr id="6" name="Rectangle 5">
+        </p:txBody>
+      </p:sp>
+      <p:sp>
+        <p:nvSpPr>
+          <p:cNvPr id="10" name="TextBox 9">
             <a:extLst>
               <a:ext uri="{FF2B5EF4-FFF2-40B4-BE49-F238E27FC236}">
-                <a16:creationId xmlns:a16="http://schemas.microsoft.com/office/drawing/2014/main" id="{31FBEB59-C178-E47B-D963-328CBF9EA907}"/>
+                <a16:creationId xmlns:a16="http://schemas.microsoft.com/office/drawing/2014/main" id="{39BD8618-6F7F-0FEF-0BA4-D936459A1358}"/>
               </a:ext>
             </a:extLst>
           </p:cNvPr>
-          <p:cNvSpPr/>
+          <p:cNvSpPr txBox="1"/>
           <p:nvPr/>
         </p:nvSpPr>
         <p:spPr>
           <a:xfrm>
-            <a:off x="412750" y="5610380"/>
-            <a:ext cx="6885551" cy="4402300"/>
+            <a:off x="428629" y="7401203"/>
+            <a:ext cx="20564464" cy="4401205"/>
           </a:xfrm>
           <a:prstGeom prst="rect">
             <a:avLst/>
@@ -3568,56 +3541,42 @@
           </a:fontRef>
         </p:style>
         <p:txBody>
-          <a:bodyPr rtlCol="0" anchor="t"/>
+          <a:bodyPr wrap="square">
+            <a:spAutoFit/>
+          </a:bodyPr>
           <a:lstStyle/>
           <a:p>
             <a:pPr algn="ctr"/>
             <a:r>
-              <a:rPr lang="en-GB" sz="2000" b="1" u="sng" dirty="0">
+              <a:rPr lang="en-GB" sz="4000" b="1" u="sng" dirty="0">
                 <a:latin typeface="Times New Roman" panose="02020603050405020304" pitchFamily="18" charset="0"/>
                 <a:cs typeface="Times New Roman" panose="02020603050405020304" pitchFamily="18" charset="0"/>
               </a:rPr>
-              <a:t>Introduction</a:t>
-            </a:r>
-          </a:p>
-          <a:p>
-            <a:r>
-              <a:rPr lang="en-US" dirty="0">
+              <a:t>Methodology</a:t>
+            </a:r>
+          </a:p>
+          <a:p>
+            <a:pPr algn="just"/>
+            <a:r>
+              <a:rPr lang="en-US" sz="4000" dirty="0">
                 <a:latin typeface="Times New Roman" panose="02020603050405020304" pitchFamily="18" charset="0"/>
                 <a:cs typeface="Times New Roman" panose="02020603050405020304" pitchFamily="18" charset="0"/>
               </a:rPr>
-              <a:t>Diabetes is a widespread chronic condition where early detection plays a key role in effective management. While machine learning (ML) models offer promising predictive capabilities, their complexity can limit trust and adoption in healthcare. To address this, Explainable AI (XAI) techniques can enhance transparency, making AI-driven predictions more interpretable.</a:t>
-            </a:r>
-          </a:p>
-          <a:p>
-            <a:endParaRPr lang="en-US" dirty="0">
+              <a:t>This study applies machine learning (ML) with Explainable AI (XAI) for diabetes prediction. Random Forest, Logistic Regression, and Gradient Boosting models were trained on the Pima Indian Diabetes Dataset. Local Interpretable Model-Agnostic Explanations (LIME) enhances transparency with instance-level predictions. Models were evaluated using accuracy, precision, recall, and F1-score.The final model was deployed in a web and mobile app, making AI-driven insights accessible to healthcare professionals and general users.</a:t>
+            </a:r>
+            <a:endParaRPr lang="en-GB" sz="4000" dirty="0">
               <a:latin typeface="Times New Roman" panose="02020603050405020304" pitchFamily="18" charset="0"/>
               <a:cs typeface="Times New Roman" panose="02020603050405020304" pitchFamily="18" charset="0"/>
             </a:endParaRPr>
           </a:p>
-          <a:p>
-            <a:r>
-              <a:rPr lang="en-US" dirty="0">
-                <a:latin typeface="Times New Roman" panose="02020603050405020304" pitchFamily="18" charset="0"/>
-                <a:cs typeface="Times New Roman" panose="02020603050405020304" pitchFamily="18" charset="0"/>
-              </a:rPr>
-              <a:t>This study integrates Random Forest (RF), Logistic Regression (LG), and Gradient Boosting Machine (GBM) models with Local Interpretable Model-Agnostic Explanations (LIME) to provide insight into diabetes predictions. By incorporating these models into a web and mobile application, this research aims to improve accessibility, empower users with explainable results, and bridge the gap between AI-driven and traditional diagnostics.</a:t>
-            </a:r>
-          </a:p>
-          <a:p>
-            <a:endParaRPr lang="en-GB" dirty="0">
-              <a:latin typeface="Times New Roman" panose="02020603050405020304" pitchFamily="18" charset="0"/>
-              <a:cs typeface="Times New Roman" panose="02020603050405020304" pitchFamily="18" charset="0"/>
-            </a:endParaRPr>
-          </a:p>
-        </p:txBody>
-      </p:sp>
-      <p:sp>
-        <p:nvSpPr>
-          <p:cNvPr id="9" name="Rectangle 8">
+        </p:txBody>
+      </p:sp>
+      <p:sp>
+        <p:nvSpPr>
+          <p:cNvPr id="14" name="Rectangle 13">
             <a:extLst>
               <a:ext uri="{FF2B5EF4-FFF2-40B4-BE49-F238E27FC236}">
-                <a16:creationId xmlns:a16="http://schemas.microsoft.com/office/drawing/2014/main" id="{A9703618-9722-4327-BF7A-AAFCA6005EC0}"/>
+                <a16:creationId xmlns:a16="http://schemas.microsoft.com/office/drawing/2014/main" id="{208550FD-7F6F-98AC-7D05-9EA0F6CB9D57}"/>
               </a:ext>
             </a:extLst>
           </p:cNvPr>
@@ -3626,8 +3585,8 @@
         </p:nvSpPr>
         <p:spPr>
           <a:xfrm>
-            <a:off x="8924953" y="1502722"/>
-            <a:ext cx="5781647" cy="3856678"/>
+            <a:off x="428628" y="12050151"/>
+            <a:ext cx="9134471" cy="6422654"/>
           </a:xfrm>
           <a:prstGeom prst="rect">
             <a:avLst/>
@@ -3653,140 +3612,35 @@
           <a:p>
             <a:pPr algn="ctr"/>
             <a:r>
-              <a:rPr lang="en-GB" sz="2000" b="1" u="sng" dirty="0">
+              <a:rPr lang="en-GB" sz="4000" b="1" u="sng" dirty="0">
                 <a:latin typeface="Times New Roman" panose="02020603050405020304" pitchFamily="18" charset="0"/>
                 <a:cs typeface="Times New Roman" panose="02020603050405020304" pitchFamily="18" charset="0"/>
               </a:rPr>
-              <a:t>Technologies</a:t>
-            </a:r>
-          </a:p>
-          <a:p>
-            <a:pPr marL="0" indent="0">
-              <a:buNone/>
-            </a:pPr>
-            <a:r>
-              <a:rPr lang="en-GB" b="1" u="sng" dirty="0">
+              <a:t>Results</a:t>
+            </a:r>
+          </a:p>
+          <a:p>
+            <a:pPr algn="just"/>
+            <a:r>
+              <a:rPr lang="en-US" sz="4000" dirty="0">
                 <a:latin typeface="Times New Roman" panose="02020603050405020304" pitchFamily="18" charset="0"/>
                 <a:cs typeface="Times New Roman" panose="02020603050405020304" pitchFamily="18" charset="0"/>
               </a:rPr>
-              <a:t>Frontend Framework</a:t>
-            </a:r>
-          </a:p>
-          <a:p>
-            <a:r>
-              <a:rPr lang="en-GB" dirty="0">
-                <a:latin typeface="Times New Roman" panose="02020603050405020304" pitchFamily="18" charset="0"/>
-                <a:cs typeface="Times New Roman" panose="02020603050405020304" pitchFamily="18" charset="0"/>
-              </a:rPr>
-              <a:t>React Native Expo (mobile and web development)</a:t>
-            </a:r>
-          </a:p>
-          <a:p>
-            <a:endParaRPr lang="en-GB" dirty="0">
+              <a:t>Gradient Boosting (GBM) demonstrated the best overall performance, balancing accuracy and generalization. Random Forest (RF) achieved the highest training accuracy but exhibited overfitting, while Logistic Regression (LG) had the lowest accuracy but the highest explainability, as indicated by its LIME score.</a:t>
+            </a:r>
+            <a:endParaRPr lang="en-GB" sz="4000" dirty="0">
               <a:latin typeface="Times New Roman" panose="02020603050405020304" pitchFamily="18" charset="0"/>
               <a:cs typeface="Times New Roman" panose="02020603050405020304" pitchFamily="18" charset="0"/>
             </a:endParaRPr>
           </a:p>
-          <a:p>
-            <a:pPr marL="0" indent="0">
-              <a:buNone/>
-            </a:pPr>
-            <a:r>
-              <a:rPr lang="en-GB" b="1" u="sng" dirty="0">
-                <a:latin typeface="Times New Roman" panose="02020603050405020304" pitchFamily="18" charset="0"/>
-                <a:cs typeface="Times New Roman" panose="02020603050405020304" pitchFamily="18" charset="0"/>
-              </a:rPr>
-              <a:t>Visualisation Libraries</a:t>
-            </a:r>
-          </a:p>
-          <a:p>
-            <a:r>
-              <a:rPr lang="en-GB" dirty="0">
-                <a:latin typeface="Times New Roman" panose="02020603050405020304" pitchFamily="18" charset="0"/>
-                <a:cs typeface="Times New Roman" panose="02020603050405020304" pitchFamily="18" charset="0"/>
-              </a:rPr>
-              <a:t>Chart.js and/or </a:t>
-            </a:r>
-            <a:r>
-              <a:rPr lang="en-GB" dirty="0" err="1">
-                <a:latin typeface="Times New Roman" panose="02020603050405020304" pitchFamily="18" charset="0"/>
-                <a:cs typeface="Times New Roman" panose="02020603050405020304" pitchFamily="18" charset="0"/>
-              </a:rPr>
-              <a:t>Plotly</a:t>
-            </a:r>
-            <a:r>
-              <a:rPr lang="en-GB" dirty="0">
-                <a:latin typeface="Times New Roman" panose="02020603050405020304" pitchFamily="18" charset="0"/>
-                <a:cs typeface="Times New Roman" panose="02020603050405020304" pitchFamily="18" charset="0"/>
-              </a:rPr>
-              <a:t> for displaying LIME and homepage visualisation</a:t>
-            </a:r>
-          </a:p>
-          <a:p>
-            <a:endParaRPr lang="en-GB" dirty="0">
-              <a:latin typeface="Times New Roman" panose="02020603050405020304" pitchFamily="18" charset="0"/>
-              <a:cs typeface="Times New Roman" panose="02020603050405020304" pitchFamily="18" charset="0"/>
-            </a:endParaRPr>
-          </a:p>
-          <a:p>
-            <a:pPr marL="0" indent="0">
-              <a:buNone/>
-            </a:pPr>
-            <a:r>
-              <a:rPr lang="en-GB" b="1" u="sng" dirty="0">
-                <a:latin typeface="Times New Roman" panose="02020603050405020304" pitchFamily="18" charset="0"/>
-                <a:cs typeface="Times New Roman" panose="02020603050405020304" pitchFamily="18" charset="0"/>
-              </a:rPr>
-              <a:t>Backend Integration</a:t>
-            </a:r>
-          </a:p>
-          <a:p>
-            <a:r>
-              <a:rPr lang="en-GB" dirty="0">
-                <a:latin typeface="Times New Roman" panose="02020603050405020304" pitchFamily="18" charset="0"/>
-                <a:cs typeface="Times New Roman" panose="02020603050405020304" pitchFamily="18" charset="0"/>
-              </a:rPr>
-              <a:t>Flask Python Application connecting frontend to ML and XAI components</a:t>
-            </a:r>
-          </a:p>
-          <a:p>
-            <a:endParaRPr lang="en-GB" dirty="0">
-              <a:latin typeface="Times New Roman" panose="02020603050405020304" pitchFamily="18" charset="0"/>
-              <a:cs typeface="Times New Roman" panose="02020603050405020304" pitchFamily="18" charset="0"/>
-            </a:endParaRPr>
-          </a:p>
-          <a:p>
-            <a:pPr marL="0" indent="0">
-              <a:buNone/>
-            </a:pPr>
-            <a:r>
-              <a:rPr lang="en-GB" b="1" u="sng" dirty="0">
-                <a:latin typeface="Times New Roman" panose="02020603050405020304" pitchFamily="18" charset="0"/>
-                <a:cs typeface="Times New Roman" panose="02020603050405020304" pitchFamily="18" charset="0"/>
-              </a:rPr>
-              <a:t>Deployment</a:t>
-            </a:r>
-          </a:p>
-          <a:p>
-            <a:endParaRPr lang="en-GB" sz="2000" dirty="0">
-              <a:latin typeface="Times New Roman" panose="02020603050405020304" pitchFamily="18" charset="0"/>
-              <a:cs typeface="Times New Roman" panose="02020603050405020304" pitchFamily="18" charset="0"/>
-            </a:endParaRPr>
-          </a:p>
-          <a:p>
-            <a:endParaRPr lang="en-GB" sz="2000" dirty="0">
-              <a:latin typeface="Times New Roman" panose="02020603050405020304" pitchFamily="18" charset="0"/>
-              <a:cs typeface="Times New Roman" panose="02020603050405020304" pitchFamily="18" charset="0"/>
-            </a:endParaRPr>
-          </a:p>
-        </p:txBody>
-      </p:sp>
-      <p:sp>
-        <p:nvSpPr>
-          <p:cNvPr id="10" name="Rectangle 9">
+        </p:txBody>
+      </p:sp>
+      <p:sp>
+        <p:nvSpPr>
+          <p:cNvPr id="15" name="Rectangle 14">
             <a:extLst>
               <a:ext uri="{FF2B5EF4-FFF2-40B4-BE49-F238E27FC236}">
-                <a16:creationId xmlns:a16="http://schemas.microsoft.com/office/drawing/2014/main" id="{2142FAEE-9706-CE42-590A-A4B69A9FC2D1}"/>
+                <a16:creationId xmlns:a16="http://schemas.microsoft.com/office/drawing/2014/main" id="{763E27D7-6B18-75AD-E9A8-2CACFB1D0013}"/>
               </a:ext>
             </a:extLst>
           </p:cNvPr>
@@ -3795,8 +3649,8 @@
         </p:nvSpPr>
         <p:spPr>
           <a:xfrm>
-            <a:off x="7559674" y="5610380"/>
-            <a:ext cx="7146926" cy="4653280"/>
+            <a:off x="428617" y="24517443"/>
+            <a:ext cx="9134471" cy="5549152"/>
           </a:xfrm>
           <a:prstGeom prst="rect">
             <a:avLst/>
@@ -3822,64 +3676,35 @@
           <a:p>
             <a:pPr algn="ctr"/>
             <a:r>
-              <a:rPr lang="en-GB" sz="2000" b="1" u="sng" dirty="0">
+              <a:rPr lang="en-GB" sz="4000" b="1" u="sng" dirty="0">
                 <a:latin typeface="Times New Roman" panose="02020603050405020304" pitchFamily="18" charset="0"/>
                 <a:cs typeface="Times New Roman" panose="02020603050405020304" pitchFamily="18" charset="0"/>
               </a:rPr>
-              <a:t>Methodology</a:t>
-            </a:r>
-          </a:p>
-          <a:p>
-            <a:r>
-              <a:rPr lang="en-US" dirty="0">
+              <a:t>Recommendations</a:t>
+            </a:r>
+          </a:p>
+          <a:p>
+            <a:pPr algn="just"/>
+            <a:r>
+              <a:rPr lang="en-US" sz="4000" dirty="0">
                 <a:latin typeface="Times New Roman" panose="02020603050405020304" pitchFamily="18" charset="0"/>
                 <a:cs typeface="Times New Roman" panose="02020603050405020304" pitchFamily="18" charset="0"/>
               </a:rPr>
-              <a:t>This study utilizes machine learning (ML) models to predict diabetes while integrating Explainable AI (XAI) to enhance interpretability. Three ML models—Random Forest (RF), Logistic Regression (LG), and Gradient Boosting Machine (GBM)—were trained on the Pima Indian Diabetes Dataset to classify patients based on risk factors.</a:t>
-            </a:r>
-          </a:p>
-          <a:p>
-            <a:endParaRPr lang="en-US" dirty="0">
+              <a:t>To improve generalization, RF's overfitting should be addressed through hyperparameter tuning or feature selection. Enhancing GBM's interpretability using additional XAI techniques could provide better trust in predictions. Future work should explore hybrid models balancing accuracy and explainability.</a:t>
+            </a:r>
+            <a:endParaRPr lang="en-GB" sz="4000" dirty="0">
               <a:latin typeface="Times New Roman" panose="02020603050405020304" pitchFamily="18" charset="0"/>
               <a:cs typeface="Times New Roman" panose="02020603050405020304" pitchFamily="18" charset="0"/>
             </a:endParaRPr>
           </a:p>
-          <a:p>
-            <a:r>
-              <a:rPr lang="en-US" dirty="0">
-                <a:latin typeface="Times New Roman" panose="02020603050405020304" pitchFamily="18" charset="0"/>
-                <a:cs typeface="Times New Roman" panose="02020603050405020304" pitchFamily="18" charset="0"/>
-              </a:rPr>
-              <a:t>To improve transparency, Local Interpretable Model-Agnostic Explanations (LIME) was applied, allowing for instance-level explanations of model predictions. The models were evaluated using performance metrics such as accuracy, precision, recall, and F1-score.</a:t>
-            </a:r>
-          </a:p>
-          <a:p>
-            <a:endParaRPr lang="en-US" dirty="0">
-              <a:latin typeface="Times New Roman" panose="02020603050405020304" pitchFamily="18" charset="0"/>
-              <a:cs typeface="Times New Roman" panose="02020603050405020304" pitchFamily="18" charset="0"/>
-            </a:endParaRPr>
-          </a:p>
-          <a:p>
-            <a:r>
-              <a:rPr lang="en-US" dirty="0">
-                <a:latin typeface="Times New Roman" panose="02020603050405020304" pitchFamily="18" charset="0"/>
-                <a:cs typeface="Times New Roman" panose="02020603050405020304" pitchFamily="18" charset="0"/>
-              </a:rPr>
-              <a:t>The final model was integrated into a web and mobile application, ensuring accessibility for both healthcare professionals and general users. This approach bridges the gap between AI-driven diagnostics and user trust, making predictive insights more interpretable and actionable.</a:t>
-            </a:r>
-            <a:endParaRPr lang="en-GB" dirty="0">
-              <a:latin typeface="Times New Roman" panose="02020603050405020304" pitchFamily="18" charset="0"/>
-              <a:cs typeface="Times New Roman" panose="02020603050405020304" pitchFamily="18" charset="0"/>
-            </a:endParaRPr>
-          </a:p>
-        </p:txBody>
-      </p:sp>
-      <p:sp>
-        <p:nvSpPr>
-          <p:cNvPr id="11" name="Rectangle 10">
+        </p:txBody>
+      </p:sp>
+      <p:sp>
+        <p:nvSpPr>
+          <p:cNvPr id="16" name="Rectangle 15">
             <a:extLst>
               <a:ext uri="{FF2B5EF4-FFF2-40B4-BE49-F238E27FC236}">
-                <a16:creationId xmlns:a16="http://schemas.microsoft.com/office/drawing/2014/main" id="{901DA84E-852F-B5A8-05FC-8D5467EA8204}"/>
+                <a16:creationId xmlns:a16="http://schemas.microsoft.com/office/drawing/2014/main" id="{DB153920-4C4A-468C-1950-114BD52EDE89}"/>
               </a:ext>
             </a:extLst>
           </p:cNvPr>
@@ -3888,8 +3713,8 @@
         </p:nvSpPr>
         <p:spPr>
           <a:xfrm>
-            <a:off x="412749" y="10263660"/>
-            <a:ext cx="6885551" cy="8431844"/>
+            <a:off x="428617" y="18720548"/>
+            <a:ext cx="9134471" cy="5549152"/>
           </a:xfrm>
           <a:prstGeom prst="rect">
             <a:avLst/>
@@ -3915,395 +3740,148 @@
           <a:p>
             <a:pPr algn="ctr"/>
             <a:r>
-              <a:rPr lang="en-GB" sz="2000" b="1" u="sng" dirty="0">
+              <a:rPr lang="en-GB" sz="4000" b="1" u="sng" dirty="0">
                 <a:latin typeface="Times New Roman" panose="02020603050405020304" pitchFamily="18" charset="0"/>
                 <a:cs typeface="Times New Roman" panose="02020603050405020304" pitchFamily="18" charset="0"/>
               </a:rPr>
-              <a:t>Results</a:t>
-            </a:r>
-          </a:p>
-        </p:txBody>
-      </p:sp>
-      <p:sp>
-        <p:nvSpPr>
-          <p:cNvPr id="12" name="Rectangle 11">
+              <a:t>Conclusion</a:t>
+            </a:r>
+          </a:p>
+          <a:p>
+            <a:pPr algn="just"/>
+            <a:r>
+              <a:rPr lang="en-US" sz="4000" dirty="0">
+                <a:latin typeface="Times New Roman" panose="02020603050405020304" pitchFamily="18" charset="0"/>
+                <a:cs typeface="Times New Roman" panose="02020603050405020304" pitchFamily="18" charset="0"/>
+              </a:rPr>
+              <a:t>GBM and RF outperformed LG in accuracy, but LG offered superior interpretability. The trade-off between accuracy and explainability suggests that model choice should depend on the application—LG for transparency and GBM/RF for higher predictive performance.</a:t>
+            </a:r>
+            <a:endParaRPr lang="en-GB" sz="4000" dirty="0">
+              <a:latin typeface="Times New Roman" panose="02020603050405020304" pitchFamily="18" charset="0"/>
+              <a:cs typeface="Times New Roman" panose="02020603050405020304" pitchFamily="18" charset="0"/>
+            </a:endParaRPr>
+          </a:p>
+        </p:txBody>
+      </p:sp>
+      <p:pic>
+        <p:nvPicPr>
+          <p:cNvPr id="13" name="Picture 12" descr="A graph with blue squares&#10;&#10;AI-generated content may be incorrect.">
             <a:extLst>
               <a:ext uri="{FF2B5EF4-FFF2-40B4-BE49-F238E27FC236}">
-                <a16:creationId xmlns:a16="http://schemas.microsoft.com/office/drawing/2014/main" id="{BDA2AAB4-4F8C-EEAC-1797-5E2FE87A906F}"/>
+                <a16:creationId xmlns:a16="http://schemas.microsoft.com/office/drawing/2014/main" id="{7D77A025-417C-24E4-44AF-8635BAF39C05}"/>
               </a:ext>
             </a:extLst>
           </p:cNvPr>
-          <p:cNvSpPr/>
+          <p:cNvPicPr>
+            <a:picLocks noChangeAspect="1"/>
+          </p:cNvPicPr>
           <p:nvPr/>
-        </p:nvSpPr>
+        </p:nvPicPr>
+        <p:blipFill>
+          <a:blip r:embed="rId2">
+            <a:extLst>
+              <a:ext uri="{28A0092B-C50C-407E-A947-70E740481C1C}">
+                <a14:useLocalDpi xmlns:a14="http://schemas.microsoft.com/office/drawing/2010/main" val="0"/>
+              </a:ext>
+            </a:extLst>
+          </a:blip>
+          <a:srcRect l="441" t="1900" r="66422" b="2656"/>
+          <a:stretch/>
+        </p:blipFill>
         <p:spPr>
           <a:xfrm>
-            <a:off x="412749" y="18804835"/>
-            <a:ext cx="14293851" cy="1619262"/>
+            <a:off x="14473650" y="23721949"/>
+            <a:ext cx="6519443" cy="6259165"/>
           </a:xfrm>
           <a:prstGeom prst="rect">
             <a:avLst/>
           </a:prstGeom>
         </p:spPr>
-        <p:style>
-          <a:lnRef idx="2">
-            <a:schemeClr val="dk1"/>
-          </a:lnRef>
-          <a:fillRef idx="1">
-            <a:schemeClr val="lt1"/>
-          </a:fillRef>
-          <a:effectRef idx="0">
-            <a:schemeClr val="dk1"/>
-          </a:effectRef>
-          <a:fontRef idx="minor">
-            <a:schemeClr val="dk1"/>
-          </a:fontRef>
-        </p:style>
-        <p:txBody>
-          <a:bodyPr rtlCol="0" anchor="t"/>
-          <a:lstStyle/>
-          <a:p>
-            <a:pPr algn="ctr"/>
-            <a:r>
-              <a:rPr lang="en-GB" sz="2000" b="1" u="sng" dirty="0">
-                <a:latin typeface="Times New Roman" panose="02020603050405020304" pitchFamily="18" charset="0"/>
-                <a:cs typeface="Times New Roman" panose="02020603050405020304" pitchFamily="18" charset="0"/>
-              </a:rPr>
-              <a:t>References</a:t>
-            </a:r>
-          </a:p>
-          <a:p>
-            <a:r>
-              <a:rPr lang="en-GB" sz="1600" dirty="0">
-                <a:latin typeface="Times New Roman" panose="02020603050405020304" pitchFamily="18" charset="0"/>
-                <a:cs typeface="Times New Roman" panose="02020603050405020304" pitchFamily="18" charset="0"/>
-              </a:rPr>
-              <a:t>[1] </a:t>
-            </a:r>
-            <a:r>
-              <a:rPr lang="en-GB" sz="1600" kern="100" dirty="0">
-                <a:effectLst/>
-                <a:latin typeface="Times New Roman" panose="02020603050405020304" pitchFamily="18" charset="0"/>
-                <a:cs typeface="Times New Roman" panose="02020603050405020304" pitchFamily="18" charset="0"/>
-              </a:rPr>
-              <a:t>W. H. Organisation, “Diabetes,” 14 November 2024. [Online]. Available: https://www.who.int/news-room/fact-sheets/detail/diabetes. [Accessed 9 December 2024].</a:t>
-            </a:r>
-            <a:endParaRPr lang="en-GB" sz="1600" kern="100" dirty="0">
-              <a:effectLst/>
-              <a:latin typeface="Times New Roman" panose="02020603050405020304" pitchFamily="18" charset="0"/>
-              <a:ea typeface="Aptos" panose="020B0004020202020204" pitchFamily="34" charset="0"/>
-              <a:cs typeface="Times New Roman" panose="02020603050405020304" pitchFamily="18" charset="0"/>
-            </a:endParaRPr>
-          </a:p>
-          <a:p>
-            <a:r>
-              <a:rPr lang="en-GB" sz="1600" dirty="0">
-                <a:latin typeface="Times New Roman" panose="02020603050405020304" pitchFamily="18" charset="0"/>
-                <a:cs typeface="Times New Roman" panose="02020603050405020304" pitchFamily="18" charset="0"/>
-              </a:rPr>
-              <a:t>[2] </a:t>
-            </a:r>
-            <a:r>
-              <a:rPr lang="en-US" sz="1600" dirty="0">
-                <a:latin typeface="Times New Roman" panose="02020603050405020304" pitchFamily="18" charset="0"/>
-                <a:cs typeface="Times New Roman" panose="02020603050405020304" pitchFamily="18" charset="0"/>
-              </a:rPr>
-              <a:t>N. England, “NHS identifies over half a million more people at risk of type 2 diabetes in a Year,” 12 June 2024. [Online]. Available: https://www.england.nhs.uk/2024/06/nhs-identifies-over-half-a-million-more-people-at-risk-of-type-2-diabetes-in-a-year/. [Accessed 9 December 2024].</a:t>
-            </a:r>
-          </a:p>
-          <a:p>
-            <a:endParaRPr lang="en-GB" sz="1600" dirty="0">
-              <a:latin typeface="Times New Roman" panose="02020603050405020304" pitchFamily="18" charset="0"/>
-              <a:cs typeface="Times New Roman" panose="02020603050405020304" pitchFamily="18" charset="0"/>
-            </a:endParaRPr>
-          </a:p>
-        </p:txBody>
-      </p:sp>
-      <p:sp>
-        <p:nvSpPr>
-          <p:cNvPr id="13" name="Rectangle 12">
+      </p:pic>
+      <p:pic>
+        <p:nvPicPr>
+          <p:cNvPr id="19" name="Picture 18" descr="A graph with blue squares&#10;&#10;AI-generated content may be incorrect.">
             <a:extLst>
               <a:ext uri="{FF2B5EF4-FFF2-40B4-BE49-F238E27FC236}">
-                <a16:creationId xmlns:a16="http://schemas.microsoft.com/office/drawing/2014/main" id="{EBF90897-4447-2291-0324-443E219875E1}"/>
+                <a16:creationId xmlns:a16="http://schemas.microsoft.com/office/drawing/2014/main" id="{3CECD481-8E0A-EE18-1175-B3F4FCC32656}"/>
               </a:ext>
             </a:extLst>
           </p:cNvPr>
-          <p:cNvSpPr/>
+          <p:cNvPicPr>
+            <a:picLocks noChangeAspect="1"/>
+          </p:cNvPicPr>
           <p:nvPr/>
-        </p:nvSpPr>
+        </p:nvPicPr>
+        <p:blipFill>
+          <a:blip r:embed="rId3">
+            <a:extLst>
+              <a:ext uri="{BEBA8EAE-BF5A-486C-A8C5-ECC9F3942E4B}">
+                <a14:imgProps xmlns:a14="http://schemas.microsoft.com/office/drawing/2010/main">
+                  <a14:imgLayer r:embed="rId4">
+                    <a14:imgEffect>
+                      <a14:sharpenSoften amount="25000"/>
+                    </a14:imgEffect>
+                  </a14:imgLayer>
+                </a14:imgProps>
+              </a:ext>
+              <a:ext uri="{28A0092B-C50C-407E-A947-70E740481C1C}">
+                <a14:useLocalDpi xmlns:a14="http://schemas.microsoft.com/office/drawing/2010/main" val="0"/>
+              </a:ext>
+            </a:extLst>
+          </a:blip>
+          <a:srcRect l="66400" t="2033" r="463" b="2522"/>
+          <a:stretch/>
+        </p:blipFill>
         <p:spPr>
           <a:xfrm>
-            <a:off x="7559674" y="14928574"/>
-            <a:ext cx="7146926" cy="3766929"/>
+            <a:off x="9938706" y="17462784"/>
+            <a:ext cx="6519444" cy="6259165"/>
           </a:xfrm>
           <a:prstGeom prst="rect">
             <a:avLst/>
           </a:prstGeom>
         </p:spPr>
-        <p:style>
-          <a:lnRef idx="2">
-            <a:schemeClr val="dk1"/>
-          </a:lnRef>
-          <a:fillRef idx="1">
-            <a:schemeClr val="lt1"/>
-          </a:fillRef>
-          <a:effectRef idx="0">
-            <a:schemeClr val="dk1"/>
-          </a:effectRef>
-          <a:fontRef idx="minor">
-            <a:schemeClr val="dk1"/>
-          </a:fontRef>
-        </p:style>
-        <p:txBody>
-          <a:bodyPr rtlCol="0" anchor="t"/>
-          <a:lstStyle/>
-          <a:p>
-            <a:pPr algn="ctr"/>
-            <a:r>
-              <a:rPr lang="en-GB" sz="2000" b="1" u="sng" dirty="0">
-                <a:latin typeface="Times New Roman" panose="02020603050405020304" pitchFamily="18" charset="0"/>
-                <a:cs typeface="Times New Roman" panose="02020603050405020304" pitchFamily="18" charset="0"/>
-              </a:rPr>
-              <a:t>Recommendations</a:t>
-            </a:r>
-          </a:p>
-          <a:p>
-            <a:endParaRPr lang="en-GB" sz="2000" dirty="0">
-              <a:latin typeface="Times New Roman" panose="02020603050405020304" pitchFamily="18" charset="0"/>
-              <a:cs typeface="Times New Roman" panose="02020603050405020304" pitchFamily="18" charset="0"/>
-            </a:endParaRPr>
-          </a:p>
-        </p:txBody>
-      </p:sp>
-      <p:sp>
-        <p:nvSpPr>
-          <p:cNvPr id="14" name="Rectangle 13">
+      </p:pic>
+      <p:pic>
+        <p:nvPicPr>
+          <p:cNvPr id="11" name="Picture 10" descr="A diagram of a system&#10;&#10;AI-generated content may be incorrect.">
             <a:extLst>
               <a:ext uri="{FF2B5EF4-FFF2-40B4-BE49-F238E27FC236}">
-                <a16:creationId xmlns:a16="http://schemas.microsoft.com/office/drawing/2014/main" id="{6C6000CD-0D7B-32E4-4D2E-FF46F753B539}"/>
+                <a16:creationId xmlns:a16="http://schemas.microsoft.com/office/drawing/2014/main" id="{50AC5131-28FB-8166-B7D7-3392E2BCE9BB}"/>
               </a:ext>
             </a:extLst>
           </p:cNvPr>
-          <p:cNvSpPr/>
+          <p:cNvPicPr>
+            <a:picLocks noChangeAspect="1"/>
+          </p:cNvPicPr>
           <p:nvPr/>
-        </p:nvSpPr>
+        </p:nvPicPr>
+        <p:blipFill>
+          <a:blip r:embed="rId5">
+            <a:extLst>
+              <a:ext uri="{28A0092B-C50C-407E-A947-70E740481C1C}">
+                <a14:useLocalDpi xmlns:a14="http://schemas.microsoft.com/office/drawing/2010/main" val="0"/>
+              </a:ext>
+            </a:extLst>
+          </a:blip>
+          <a:stretch>
+            <a:fillRect/>
+          </a:stretch>
+        </p:blipFill>
         <p:spPr>
           <a:xfrm>
-            <a:off x="7559674" y="11791119"/>
-            <a:ext cx="7146926" cy="3028123"/>
+            <a:off x="9848839" y="12827063"/>
+            <a:ext cx="11458580" cy="3392312"/>
           </a:xfrm>
           <a:prstGeom prst="rect">
             <a:avLst/>
           </a:prstGeom>
         </p:spPr>
-        <p:style>
-          <a:lnRef idx="2">
-            <a:schemeClr val="dk1"/>
-          </a:lnRef>
-          <a:fillRef idx="1">
-            <a:schemeClr val="lt1"/>
-          </a:fillRef>
-          <a:effectRef idx="0">
-            <a:schemeClr val="dk1"/>
-          </a:effectRef>
-          <a:fontRef idx="minor">
-            <a:schemeClr val="dk1"/>
-          </a:fontRef>
-        </p:style>
-        <p:txBody>
-          <a:bodyPr rtlCol="0" anchor="t"/>
-          <a:lstStyle/>
-          <a:p>
-            <a:pPr algn="ctr"/>
-            <a:r>
-              <a:rPr lang="en-GB" sz="2000" b="1" u="sng" dirty="0">
-                <a:latin typeface="Times New Roman" panose="02020603050405020304" pitchFamily="18" charset="0"/>
-                <a:cs typeface="Times New Roman" panose="02020603050405020304" pitchFamily="18" charset="0"/>
-              </a:rPr>
-              <a:t>Conclusion</a:t>
-            </a:r>
-          </a:p>
-        </p:txBody>
-      </p:sp>
-      <p:sp>
-        <p:nvSpPr>
-          <p:cNvPr id="18" name="TextBox 17">
-            <a:extLst>
-              <a:ext uri="{FF2B5EF4-FFF2-40B4-BE49-F238E27FC236}">
-                <a16:creationId xmlns:a16="http://schemas.microsoft.com/office/drawing/2014/main" id="{88DC8A7D-819D-76B3-94C9-45ACD7A400DD}"/>
-              </a:ext>
-            </a:extLst>
-          </p:cNvPr>
-          <p:cNvSpPr txBox="1"/>
-          <p:nvPr/>
-        </p:nvSpPr>
-        <p:spPr>
-          <a:xfrm>
-            <a:off x="1578165" y="203200"/>
-            <a:ext cx="11963019" cy="553998"/>
-          </a:xfrm>
-          <a:prstGeom prst="rect">
-            <a:avLst/>
-          </a:prstGeom>
-          <a:noFill/>
-        </p:spPr>
-        <p:txBody>
-          <a:bodyPr wrap="none" rtlCol="0">
-            <a:spAutoFit/>
-          </a:bodyPr>
-          <a:lstStyle/>
-          <a:p>
-            <a:r>
-              <a:rPr lang="en-GB" sz="3000" dirty="0">
-                <a:latin typeface="Times New Roman" panose="02020603050405020304" pitchFamily="18" charset="0"/>
-                <a:cs typeface="Times New Roman" panose="02020603050405020304" pitchFamily="18" charset="0"/>
-              </a:rPr>
-              <a:t>Diabetes prediction using Machine Learning and Explainable AI Techniques</a:t>
-            </a:r>
-          </a:p>
-        </p:txBody>
-      </p:sp>
-      <p:sp>
-        <p:nvSpPr>
-          <p:cNvPr id="2" name="TextBox 1">
-            <a:extLst>
-              <a:ext uri="{FF2B5EF4-FFF2-40B4-BE49-F238E27FC236}">
-                <a16:creationId xmlns:a16="http://schemas.microsoft.com/office/drawing/2014/main" id="{B2F0981B-DBB4-9CD1-9920-6FD2D499F99C}"/>
-              </a:ext>
-            </a:extLst>
-          </p:cNvPr>
-          <p:cNvSpPr txBox="1"/>
-          <p:nvPr/>
-        </p:nvSpPr>
-        <p:spPr>
-          <a:xfrm>
-            <a:off x="3511995" y="807805"/>
-            <a:ext cx="8095358" cy="400110"/>
-          </a:xfrm>
-          <a:prstGeom prst="rect">
-            <a:avLst/>
-          </a:prstGeom>
-          <a:noFill/>
-        </p:spPr>
-        <p:txBody>
-          <a:bodyPr wrap="none" rtlCol="0">
-            <a:spAutoFit/>
-          </a:bodyPr>
-          <a:lstStyle/>
-          <a:p>
-            <a:r>
-              <a:rPr lang="en-GB" sz="2000" dirty="0">
-                <a:latin typeface="Times New Roman" panose="02020603050405020304" pitchFamily="18" charset="0"/>
-                <a:cs typeface="Times New Roman" panose="02020603050405020304" pitchFamily="18" charset="0"/>
-              </a:rPr>
-              <a:t>Tayyeba Sadaq – 100611584 – University of Derby – BSc Computer Science</a:t>
-            </a:r>
-          </a:p>
-        </p:txBody>
-      </p:sp>
-      <p:sp>
-        <p:nvSpPr>
-          <p:cNvPr id="8" name="TextBox 7">
-            <a:extLst>
-              <a:ext uri="{FF2B5EF4-FFF2-40B4-BE49-F238E27FC236}">
-                <a16:creationId xmlns:a16="http://schemas.microsoft.com/office/drawing/2014/main" id="{4F06A22E-37DB-E21D-B860-3A0841996022}"/>
-              </a:ext>
-            </a:extLst>
-          </p:cNvPr>
-          <p:cNvSpPr txBox="1"/>
-          <p:nvPr/>
-        </p:nvSpPr>
-        <p:spPr>
-          <a:xfrm>
-            <a:off x="9760806" y="10427225"/>
-            <a:ext cx="2744662" cy="1200329"/>
-          </a:xfrm>
-          <a:prstGeom prst="rect">
-            <a:avLst/>
-          </a:prstGeom>
-          <a:noFill/>
-        </p:spPr>
-        <p:txBody>
-          <a:bodyPr wrap="none" rtlCol="0">
-            <a:spAutoFit/>
-          </a:bodyPr>
-          <a:lstStyle/>
-          <a:p>
-            <a:r>
-              <a:rPr lang="en-US" dirty="0"/>
-              <a:t>VISUALISATIONS TO ADD:</a:t>
-            </a:r>
-          </a:p>
-          <a:p>
-            <a:r>
-              <a:rPr lang="en-US" dirty="0"/>
-              <a:t>1. ARCHITECTURE</a:t>
-            </a:r>
-          </a:p>
-          <a:p>
-            <a:r>
-              <a:rPr lang="en-US" dirty="0"/>
-              <a:t>2. RESULTS EXAMPLE</a:t>
-            </a:r>
-          </a:p>
-          <a:p>
-            <a:r>
-              <a:rPr lang="en-US" dirty="0"/>
-              <a:t>3. UI OF WEBSITE</a:t>
-            </a:r>
-            <a:endParaRPr lang="en-GB" dirty="0"/>
-          </a:p>
-        </p:txBody>
-      </p:sp>
-      <p:sp>
-        <p:nvSpPr>
-          <p:cNvPr id="3" name="TextBox 2">
-            <a:extLst>
-              <a:ext uri="{FF2B5EF4-FFF2-40B4-BE49-F238E27FC236}">
-                <a16:creationId xmlns:a16="http://schemas.microsoft.com/office/drawing/2014/main" id="{0EFB95EB-D4FA-EE36-8135-342D2FBC0962}"/>
-              </a:ext>
-            </a:extLst>
-          </p:cNvPr>
-          <p:cNvSpPr txBox="1"/>
-          <p:nvPr/>
-        </p:nvSpPr>
-        <p:spPr>
-          <a:xfrm>
-            <a:off x="1624201" y="13900575"/>
-            <a:ext cx="4603568" cy="923330"/>
-          </a:xfrm>
-          <a:prstGeom prst="rect">
-            <a:avLst/>
-          </a:prstGeom>
-          <a:noFill/>
-        </p:spPr>
-        <p:txBody>
-          <a:bodyPr wrap="none" rtlCol="0">
-            <a:spAutoFit/>
-          </a:bodyPr>
-          <a:lstStyle/>
-          <a:p>
-            <a:r>
-              <a:rPr lang="en-US" dirty="0"/>
-              <a:t>Add graph for showing test and train success</a:t>
-            </a:r>
-          </a:p>
-          <a:p>
-            <a:endParaRPr lang="en-US" dirty="0"/>
-          </a:p>
-          <a:p>
-            <a:r>
-              <a:rPr lang="en-US" dirty="0"/>
-              <a:t>Add graph for best lime</a:t>
-            </a:r>
-            <a:endParaRPr lang="en-GB" dirty="0"/>
-          </a:p>
-        </p:txBody>
-      </p:sp>
+      </p:pic>
     </p:spTree>
     <p:extLst>
       <p:ext uri="{BB962C8B-B14F-4D97-AF65-F5344CB8AC3E}">
-        <p14:creationId xmlns:p14="http://schemas.microsoft.com/office/powerpoint/2010/main" val="2757916621"/>
+        <p14:creationId xmlns:p14="http://schemas.microsoft.com/office/powerpoint/2010/main" val="2859973163"/>
       </p:ext>
     </p:extLst>
   </p:cSld>
